--- a/assets/presentation.pptx
+++ b/assets/presentation.pptx
@@ -910,7 +910,7 @@
         <p:spPr>
           <a:xfrm>
             <a:off x="722312" y="2906713"/>
-            <a:ext cx="7772401" cy="1500190"/>
+            <a:ext cx="7772401" cy="1500191"/>
           </a:xfrm>
           <a:prstGeom prst="rect">
             <a:avLst/>
@@ -1219,7 +1219,7 @@
         <p:spPr>
           <a:xfrm>
             <a:off x="457200" y="1435464"/>
-            <a:ext cx="4040188" cy="739412"/>
+            <a:ext cx="4040188" cy="739413"/>
           </a:xfrm>
           <a:prstGeom prst="rect">
             <a:avLst/>
@@ -1589,7 +1589,7 @@
         <p:spPr>
           <a:xfrm>
             <a:off x="1792288" y="4800600"/>
-            <a:ext cx="5486403" cy="566738"/>
+            <a:ext cx="5486404" cy="566738"/>
           </a:xfrm>
           <a:prstGeom prst="rect">
             <a:avLst/>
@@ -1624,7 +1624,7 @@
         <p:spPr>
           <a:xfrm>
             <a:off x="1792288" y="5367337"/>
-            <a:ext cx="5486403" cy="804865"/>
+            <a:ext cx="5486404" cy="804866"/>
           </a:xfrm>
           <a:prstGeom prst="rect">
             <a:avLst/>
@@ -1726,7 +1726,7 @@
         <p:spPr>
           <a:xfrm>
             <a:off x="7048482" y="6219825"/>
-            <a:ext cx="1645739" cy="501650"/>
+            <a:ext cx="1645740" cy="501650"/>
           </a:xfrm>
           <a:prstGeom prst="rect">
             <a:avLst/>
@@ -2442,7 +2442,7 @@
           <a:bodyPr/>
           <a:lstStyle/>
           <a:p>
-            <a:pPr lvl="0" marL="1083733" indent="-1083733">
+            <a:pPr lvl="0" marL="1926636" indent="-1926636">
               <a:defRPr sz="1800"/>
             </a:pPr>
             <a:r>
@@ -2458,7 +2458,7 @@
             <a:endParaRPr sz="3200"/>
           </a:p>
           <a:p>
-            <a:pPr lvl="0" marL="1083733" indent="-1083733">
+            <a:pPr lvl="0" marL="1926636" indent="-1926636">
               <a:defRPr sz="1800"/>
             </a:pPr>
             <a:r>
@@ -2490,7 +2490,7 @@
             <a:endParaRPr sz="3200"/>
           </a:p>
           <a:p>
-            <a:pPr lvl="1" marL="1148644" indent="-691444">
+            <a:pPr lvl="1" marL="1532779" indent="-1075579">
               <a:spcBef>
                 <a:spcPts val="600"/>
               </a:spcBef>
@@ -2581,7 +2581,7 @@
           <a:bodyPr/>
           <a:lstStyle/>
           <a:p>
-            <a:pPr lvl="0" marL="1083733" indent="-1083733">
+            <a:pPr lvl="0" marL="1926636" indent="-1926636">
               <a:defRPr sz="1800"/>
             </a:pPr>
             <a:r>
@@ -2597,7 +2597,7 @@
             <a:endParaRPr sz="3200"/>
           </a:p>
           <a:p>
-            <a:pPr lvl="0" marL="1083733" indent="-1083733">
+            <a:pPr lvl="0" marL="1926636" indent="-1926636">
               <a:defRPr sz="1800"/>
             </a:pPr>
             <a:r>
@@ -2685,7 +2685,7 @@
           <a:bodyPr/>
           <a:lstStyle/>
           <a:p>
-            <a:pPr lvl="0" marL="1083733" indent="-1083733">
+            <a:pPr lvl="0" marL="1926636" indent="-1926636">
               <a:defRPr sz="1800"/>
             </a:pPr>
             <a:r>
@@ -2701,7 +2701,7 @@
             <a:endParaRPr sz="3200"/>
           </a:p>
           <a:p>
-            <a:pPr lvl="0" marL="1083733" indent="-1083733">
+            <a:pPr lvl="0" marL="1926636" indent="-1926636">
               <a:defRPr sz="1800"/>
             </a:pPr>
             <a:r>
@@ -2789,7 +2789,7 @@
           <a:bodyPr/>
           <a:lstStyle/>
           <a:p>
-            <a:pPr lvl="0" marL="1083733" indent="-1083733">
+            <a:pPr lvl="0" marL="1926636" indent="-1926636">
               <a:defRPr sz="1800"/>
             </a:pPr>
             <a:r>
@@ -2805,7 +2805,7 @@
             <a:endParaRPr sz="3200"/>
           </a:p>
           <a:p>
-            <a:pPr lvl="0" marL="1083733" indent="-1083733">
+            <a:pPr lvl="0" marL="1926636" indent="-1926636">
               <a:defRPr sz="1800"/>
             </a:pPr>
             <a:r>
@@ -2897,7 +2897,7 @@
           <a:bodyPr/>
           <a:lstStyle/>
           <a:p>
-            <a:pPr lvl="0" marL="1083733" indent="-1083733">
+            <a:pPr lvl="0" marL="1926636" indent="-1926636">
               <a:defRPr sz="1800"/>
             </a:pPr>
             <a:r>
@@ -2913,7 +2913,7 @@
             <a:endParaRPr sz="3200"/>
           </a:p>
           <a:p>
-            <a:pPr lvl="0" marL="1083733" indent="-1083733">
+            <a:pPr lvl="0" marL="1926636" indent="-1926636">
               <a:defRPr sz="1800"/>
             </a:pPr>
             <a:r>
@@ -3001,7 +3001,7 @@
           <a:bodyPr/>
           <a:lstStyle/>
           <a:p>
-            <a:pPr lvl="0" marL="1083733" indent="-1083733">
+            <a:pPr lvl="0" marL="1926636" indent="-1926636">
               <a:defRPr sz="1800"/>
             </a:pPr>
             <a:r>
@@ -3020,7 +3020,7 @@
             <a:endParaRPr sz="2800"/>
           </a:p>
           <a:p>
-            <a:pPr lvl="0" marL="1083733" indent="-1083733">
+            <a:pPr lvl="0" marL="1926636" indent="-1926636">
               <a:defRPr sz="1800"/>
             </a:pPr>
             <a:r>
@@ -3112,7 +3112,7 @@
           <a:bodyPr/>
           <a:lstStyle/>
           <a:p>
-            <a:pPr lvl="0" marL="1083733" indent="-1083733">
+            <a:pPr lvl="0" marL="1926636" indent="-1926636">
               <a:defRPr sz="1800"/>
             </a:pPr>
             <a:r>
@@ -3128,7 +3128,7 @@
             <a:endParaRPr sz="3200"/>
           </a:p>
           <a:p>
-            <a:pPr lvl="0" marL="1083733" indent="-1083733">
+            <a:pPr lvl="0" marL="1926636" indent="-1926636">
               <a:defRPr sz="1800"/>
             </a:pPr>
             <a:r>
@@ -3216,7 +3216,7 @@
           <a:bodyPr/>
           <a:lstStyle/>
           <a:p>
-            <a:pPr lvl="0" marL="1083733" indent="-1083733">
+            <a:pPr lvl="0" marL="1926636" indent="-1926636">
               <a:defRPr sz="1800"/>
             </a:pPr>
             <a:r>
@@ -3232,7 +3232,7 @@
             <a:endParaRPr sz="3200"/>
           </a:p>
           <a:p>
-            <a:pPr lvl="0" marL="1083733" indent="-1083733">
+            <a:pPr lvl="0" marL="1926636" indent="-1926636">
               <a:defRPr sz="1800"/>
             </a:pPr>
             <a:r>
@@ -3320,7 +3320,7 @@
           <a:bodyPr/>
           <a:lstStyle/>
           <a:p>
-            <a:pPr lvl="0" marL="1083733" indent="-1083733">
+            <a:pPr lvl="0" marL="1926636" indent="-1926636">
               <a:defRPr sz="1800"/>
             </a:pPr>
             <a:r>
@@ -3330,7 +3330,7 @@
             <a:endParaRPr sz="3200"/>
           </a:p>
           <a:p>
-            <a:pPr lvl="0" marL="1083733" indent="-1083733">
+            <a:pPr lvl="0" marL="1926636" indent="-1926636">
               <a:defRPr sz="1800"/>
             </a:pPr>
             <a:r>
@@ -3340,7 +3340,7 @@
             <a:endParaRPr sz="3200"/>
           </a:p>
           <a:p>
-            <a:pPr lvl="0" marL="1083733" indent="-1083733">
+            <a:pPr lvl="0" marL="1926636" indent="-1926636">
               <a:defRPr sz="1800"/>
             </a:pPr>
             <a:r>
@@ -3350,7 +3350,7 @@
             <a:endParaRPr sz="3200"/>
           </a:p>
           <a:p>
-            <a:pPr lvl="0" marL="1083733" indent="-1083733">
+            <a:pPr lvl="0" marL="1926636" indent="-1926636">
               <a:defRPr sz="1800"/>
             </a:pPr>
             <a:r>
@@ -3456,7 +3456,7 @@
           <a:bodyPr/>
           <a:lstStyle/>
           <a:p>
-            <a:pPr lvl="0" marL="890058" indent="-890058">
+            <a:pPr lvl="0" marL="1433982" indent="-1433982">
               <a:spcBef>
                 <a:spcPts val="600"/>
               </a:spcBef>
@@ -3480,7 +3480,7 @@
             <a:endParaRPr sz="2500"/>
           </a:p>
           <a:p>
-            <a:pPr lvl="0" marL="890058" indent="-890058">
+            <a:pPr lvl="0" marL="1433982" indent="-1433982">
               <a:spcBef>
                 <a:spcPts val="600"/>
               </a:spcBef>
@@ -3504,7 +3504,7 @@
             <a:endParaRPr sz="2900"/>
           </a:p>
           <a:p>
-            <a:pPr lvl="0" marL="890058" indent="-890058">
+            <a:pPr lvl="0" marL="1433982" indent="-1433982">
               <a:spcBef>
                 <a:spcPts val="600"/>
               </a:spcBef>
@@ -3526,7 +3526,7 @@
             <a:endParaRPr sz="2900"/>
           </a:p>
           <a:p>
-            <a:pPr lvl="0" marL="890058" indent="-890058">
+            <a:pPr lvl="0" marL="1433982" indent="-1433982">
               <a:spcBef>
                 <a:spcPts val="600"/>
               </a:spcBef>
@@ -3617,7 +3617,7 @@
           <a:bodyPr/>
           <a:lstStyle/>
           <a:p>
-            <a:pPr lvl="0" marL="771525" indent="-771525">
+            <a:pPr lvl="0" marL="1157287" indent="-1157287">
               <a:lnSpc>
                 <a:spcPct val="80000"/>
               </a:lnSpc>
@@ -3633,7 +3633,7 @@
             <a:endParaRPr sz="2700"/>
           </a:p>
           <a:p>
-            <a:pPr lvl="1" marL="923748" indent="-466548">
+            <a:pPr lvl="1" marL="1053344" indent="-596144">
               <a:lnSpc>
                 <a:spcPct val="80000"/>
               </a:lnSpc>
@@ -3649,7 +3649,7 @@
             <a:endParaRPr sz="2300"/>
           </a:p>
           <a:p>
-            <a:pPr lvl="1" marL="923748" indent="-466548">
+            <a:pPr lvl="1" marL="1053344" indent="-596144">
               <a:lnSpc>
                 <a:spcPct val="80000"/>
               </a:lnSpc>
@@ -3665,7 +3665,7 @@
             <a:endParaRPr sz="2300"/>
           </a:p>
           <a:p>
-            <a:pPr lvl="1" marL="923748" indent="-466548">
+            <a:pPr lvl="1" marL="1053344" indent="-596144">
               <a:lnSpc>
                 <a:spcPct val="80000"/>
               </a:lnSpc>
@@ -3693,7 +3693,7 @@
             <a:endParaRPr sz="2300"/>
           </a:p>
           <a:p>
-            <a:pPr lvl="0" marL="771525" indent="-771525">
+            <a:pPr lvl="0" marL="1157287" indent="-1157287">
               <a:lnSpc>
                 <a:spcPct val="80000"/>
               </a:lnSpc>
@@ -3709,7 +3709,7 @@
             <a:endParaRPr sz="2700"/>
           </a:p>
           <a:p>
-            <a:pPr lvl="1" marL="923748" indent="-466548">
+            <a:pPr lvl="1" marL="1053344" indent="-596144">
               <a:lnSpc>
                 <a:spcPct val="80000"/>
               </a:lnSpc>
@@ -3739,7 +3739,7 @@
             <a:endParaRPr sz="2300"/>
           </a:p>
           <a:p>
-            <a:pPr lvl="0" marL="771525" indent="-771525">
+            <a:pPr lvl="0" marL="1157287" indent="-1157287">
               <a:lnSpc>
                 <a:spcPct val="80000"/>
               </a:lnSpc>
@@ -3755,7 +3755,7 @@
             <a:endParaRPr sz="2700"/>
           </a:p>
           <a:p>
-            <a:pPr lvl="1" marL="923748" indent="-466548">
+            <a:pPr lvl="1" marL="1053344" indent="-596144">
               <a:lnSpc>
                 <a:spcPct val="80000"/>
               </a:lnSpc>
@@ -3842,7 +3842,7 @@
         </p:nvSpPr>
         <p:spPr>
           <a:xfrm>
-            <a:off x="2374973" y="3103877"/>
+            <a:off x="2374972" y="3103877"/>
             <a:ext cx="4394046" cy="650237"/>
           </a:xfrm>
           <a:prstGeom prst="rect">
@@ -4128,7 +4128,7 @@
           <a:bodyPr/>
           <a:lstStyle/>
           <a:p>
-            <a:pPr lvl="0" marL="609600" indent="-609600">
+            <a:pPr lvl="0" marL="812800" indent="-812800">
               <a:lnSpc>
                 <a:spcPct val="80000"/>
               </a:lnSpc>
@@ -4156,7 +4156,7 @@
             <a:endParaRPr sz="2400"/>
           </a:p>
           <a:p>
-            <a:pPr lvl="0" marL="609600" indent="-609600">
+            <a:pPr lvl="0" marL="812800" indent="-812800">
               <a:lnSpc>
                 <a:spcPct val="80000"/>
               </a:lnSpc>
@@ -4184,7 +4184,7 @@
             <a:endParaRPr sz="2400"/>
           </a:p>
           <a:p>
-            <a:pPr lvl="0" marL="609600" indent="-609600">
+            <a:pPr lvl="0" marL="812800" indent="-812800">
               <a:lnSpc>
                 <a:spcPct val="80000"/>
               </a:lnSpc>
@@ -4212,7 +4212,7 @@
             <a:endParaRPr sz="2400"/>
           </a:p>
           <a:p>
-            <a:pPr lvl="0" marL="609600" indent="-609600">
+            <a:pPr lvl="0" marL="812800" indent="-812800">
               <a:lnSpc>
                 <a:spcPct val="80000"/>
               </a:lnSpc>
@@ -4240,7 +4240,7 @@
             <a:endParaRPr sz="2400"/>
           </a:p>
           <a:p>
-            <a:pPr lvl="0" marL="609600" indent="-609600">
+            <a:pPr lvl="0" marL="812800" indent="-812800">
               <a:lnSpc>
                 <a:spcPct val="80000"/>
               </a:lnSpc>
@@ -4268,7 +4268,7 @@
             <a:endParaRPr sz="2400"/>
           </a:p>
           <a:p>
-            <a:pPr lvl="0" marL="609600" indent="-609600">
+            <a:pPr lvl="0" marL="812800" indent="-812800">
               <a:lnSpc>
                 <a:spcPct val="80000"/>
               </a:lnSpc>
@@ -4367,7 +4367,7 @@
             </a:pPr>
           </a:p>
           <a:p>
-            <a:pPr lvl="0" marL="1083733" indent="-1083733">
+            <a:pPr lvl="0" marL="1926636" indent="-1926636">
               <a:defRPr sz="1800"/>
             </a:pPr>
             <a:r>
@@ -4377,7 +4377,7 @@
             <a:endParaRPr sz="3200"/>
           </a:p>
           <a:p>
-            <a:pPr lvl="1" marL="1148644" indent="-691444">
+            <a:pPr lvl="1" marL="1532779" indent="-1075579">
               <a:spcBef>
                 <a:spcPts val="600"/>
               </a:spcBef>
@@ -4399,7 +4399,7 @@
             <a:endParaRPr sz="2800"/>
           </a:p>
           <a:p>
-            <a:pPr lvl="0" marL="1083733" indent="-1083733">
+            <a:pPr lvl="0" marL="1926636" indent="-1926636">
               <a:defRPr sz="1800"/>
             </a:pPr>
             <a:r>
@@ -4409,7 +4409,7 @@
             <a:endParaRPr sz="3200"/>
           </a:p>
           <a:p>
-            <a:pPr lvl="1" marL="1148644" indent="-691444">
+            <a:pPr lvl="1" marL="1532779" indent="-1075579">
               <a:spcBef>
                 <a:spcPts val="600"/>
               </a:spcBef>
@@ -4422,7 +4422,7 @@
             <a:endParaRPr sz="2800"/>
           </a:p>
           <a:p>
-            <a:pPr lvl="1" marL="1148644" indent="-691444">
+            <a:pPr lvl="1" marL="1532779" indent="-1075579">
               <a:spcBef>
                 <a:spcPts val="600"/>
               </a:spcBef>
@@ -4435,7 +4435,7 @@
             <a:endParaRPr sz="2800"/>
           </a:p>
           <a:p>
-            <a:pPr lvl="1" marL="1148644" indent="-691444">
+            <a:pPr lvl="1" marL="1532779" indent="-1075579">
               <a:spcBef>
                 <a:spcPts val="600"/>
               </a:spcBef>
@@ -4526,7 +4526,7 @@
           <a:bodyPr/>
           <a:lstStyle/>
           <a:p>
-            <a:pPr lvl="0" marL="1083733" indent="-1083733">
+            <a:pPr lvl="0" marL="1926636" indent="-1926636">
               <a:defRPr sz="1800"/>
             </a:pPr>
             <a:r>
@@ -4550,13 +4550,13 @@
               <a:defRPr sz="1800"/>
             </a:pPr>
             <a:r>
-              <a:rPr sz="4500">
+              <a:rPr sz="3700">
                 <a:latin typeface="PT Mono"/>
                 <a:ea typeface="PT Mono"/>
                 <a:cs typeface="PT Mono"/>
                 <a:sym typeface="PT Mono"/>
               </a:rPr>
-              <a:t>git@github.com:nearform/msworkshop.git</a:t>
+              <a:t>https://github.com/nearform/developing-microservices</a:t>
             </a:r>
             <a:endParaRPr sz="4500">
               <a:latin typeface="PT Mono"/>
@@ -4577,7 +4577,7 @@
             <a:endParaRPr sz="2800"/>
           </a:p>
           <a:p>
-            <a:pPr lvl="0" marL="1083733" indent="-1083733">
+            <a:pPr lvl="0" marL="1926636" indent="-1926636">
               <a:defRPr sz="1800"/>
             </a:pPr>
             <a:r>

--- a/assets/presentation.pptx
+++ b/assets/presentation.pptx
@@ -2,32 +2,33 @@
 <file path=ppt/presentation.xml><?xml version="1.0" encoding="utf-8"?>
 <p:presentation xmlns:a="http://schemas.openxmlformats.org/drawingml/2006/main" xmlns:r="http://schemas.openxmlformats.org/officeDocument/2006/relationships" xmlns:p="http://schemas.openxmlformats.org/presentationml/2006/main">
   <p:sldMasterIdLst>
-    <p:sldMasterId id="2147483648" r:id="rId5"/>
+    <p:sldMasterId id="2147483648" r:id="rId1"/>
   </p:sldMasterIdLst>
   <p:notesMasterIdLst>
-    <p:notesMasterId r:id="rId7"/>
+    <p:notesMasterId r:id="rId21"/>
   </p:notesMasterIdLst>
   <p:sldIdLst>
-    <p:sldId id="256" r:id="rId8"/>
-    <p:sldId id="257" r:id="rId9"/>
-    <p:sldId id="258" r:id="rId10"/>
-    <p:sldId id="259" r:id="rId11"/>
-    <p:sldId id="260" r:id="rId12"/>
-    <p:sldId id="261" r:id="rId13"/>
-    <p:sldId id="262" r:id="rId14"/>
-    <p:sldId id="263" r:id="rId15"/>
-    <p:sldId id="264" r:id="rId16"/>
-    <p:sldId id="265" r:id="rId17"/>
-    <p:sldId id="266" r:id="rId18"/>
-    <p:sldId id="267" r:id="rId19"/>
-    <p:sldId id="268" r:id="rId20"/>
-    <p:sldId id="269" r:id="rId21"/>
-    <p:sldId id="270" r:id="rId22"/>
-    <p:sldId id="271" r:id="rId23"/>
-    <p:sldId id="272" r:id="rId24"/>
-    <p:sldId id="273" r:id="rId25"/>
+    <p:sldId id="256" r:id="rId2"/>
+    <p:sldId id="257" r:id="rId3"/>
+    <p:sldId id="258" r:id="rId4"/>
+    <p:sldId id="259" r:id="rId5"/>
+    <p:sldId id="274" r:id="rId6"/>
+    <p:sldId id="260" r:id="rId7"/>
+    <p:sldId id="261" r:id="rId8"/>
+    <p:sldId id="262" r:id="rId9"/>
+    <p:sldId id="263" r:id="rId10"/>
+    <p:sldId id="264" r:id="rId11"/>
+    <p:sldId id="265" r:id="rId12"/>
+    <p:sldId id="266" r:id="rId13"/>
+    <p:sldId id="267" r:id="rId14"/>
+    <p:sldId id="268" r:id="rId15"/>
+    <p:sldId id="269" r:id="rId16"/>
+    <p:sldId id="270" r:id="rId17"/>
+    <p:sldId id="271" r:id="rId18"/>
+    <p:sldId id="272" r:id="rId19"/>
+    <p:sldId id="273" r:id="rId20"/>
   </p:sldIdLst>
-  <p:sldSz cx="9144000" cy="6858000"/>
+  <p:sldSz cx="9144000" cy="6858000" type="screen4x3"/>
   <p:notesSz cx="6858000" cy="9144000"/>
   <p:defaultTextStyle>
     <a:lvl1pPr defTabSz="457200">
@@ -106,13 +107,14 @@
 </p:presentation>
 </file>
 
-<file path=ppt/commentAuthors.xml><?xml version="1.0" encoding="utf-8"?>
-<p:cmAuthorLst xmlns:a="http://schemas.openxmlformats.org/drawingml/2006/main" xmlns:r="http://schemas.openxmlformats.org/officeDocument/2006/relationships" xmlns:p="http://schemas.openxmlformats.org/presentationml/2006/main"/>
-</file>
-
 <file path=ppt/notesMasters/notesMaster1.xml><?xml version="1.0" encoding="utf-8"?>
 <p:notesMaster xmlns:a="http://schemas.openxmlformats.org/drawingml/2006/main" xmlns:r="http://schemas.openxmlformats.org/officeDocument/2006/relationships" xmlns:p="http://schemas.openxmlformats.org/presentationml/2006/main">
   <p:cSld>
+    <p:bg>
+      <p:bgRef idx="1001">
+        <a:schemeClr val="bg1"/>
+      </p:bgRef>
+    </p:bg>
     <p:spTree>
       <p:nvGrpSpPr>
         <p:cNvPr id="1" name=""/>
@@ -130,7 +132,9 @@
       <p:sp>
         <p:nvSpPr>
           <p:cNvPr id="47" name="Shape 47"/>
-          <p:cNvSpPr/>
+          <p:cNvSpPr>
+            <a:spLocks noGrp="1" noRot="1" noChangeAspect="1"/>
+          </p:cNvSpPr>
           <p:nvPr>
             <p:ph type="sldImg"/>
           </p:nvPr>
@@ -149,13 +153,16 @@
           <a:lstStyle/>
           <a:p>
             <a:pPr lvl="0"/>
+            <a:endParaRPr/>
           </a:p>
         </p:txBody>
       </p:sp>
       <p:sp>
         <p:nvSpPr>
           <p:cNvPr id="48" name="Shape 48"/>
-          <p:cNvSpPr/>
+          <p:cNvSpPr>
+            <a:spLocks noGrp="1"/>
+          </p:cNvSpPr>
           <p:nvPr>
             <p:ph type="body" sz="quarter" idx="1"/>
           </p:nvPr>
@@ -174,10 +181,16 @@
           <a:lstStyle/>
           <a:p>
             <a:pPr lvl="0"/>
+            <a:endParaRPr/>
           </a:p>
         </p:txBody>
       </p:sp>
     </p:spTree>
+    <p:extLst>
+      <p:ext uri="{BB962C8B-B14F-4D97-AF65-F5344CB8AC3E}">
+        <p14:creationId xmlns:p14="http://schemas.microsoft.com/office/powerpoint/2010/main" val="62649506"/>
+      </p:ext>
+    </p:extLst>
   </p:cSld>
   <p:clrMap bg1="lt1" tx1="dk1" bg2="lt2" tx2="dk2" accent1="accent1" accent2="accent2" accent3="accent3" accent4="accent4" accent5="accent5" accent6="accent6" hlink="hlink" folHlink="folHlink"/>
   <p:notesStyle>
@@ -285,7 +298,7 @@
 </file>
 
 <file path=ppt/slideLayouts/slideLayout1.xml><?xml version="1.0" encoding="utf-8"?>
-<p:sldLayout xmlns:a="http://schemas.openxmlformats.org/drawingml/2006/main" xmlns:r="http://schemas.openxmlformats.org/officeDocument/2006/relationships" xmlns:p="http://schemas.openxmlformats.org/presentationml/2006/main" type="tx" showMasterSp="1" showMasterPhAnim="1">
+<p:sldLayout xmlns:a="http://schemas.openxmlformats.org/drawingml/2006/main" xmlns:r="http://schemas.openxmlformats.org/officeDocument/2006/relationships" xmlns:p="http://schemas.openxmlformats.org/presentationml/2006/main" type="tx">
   <p:cSld name="Title Slide">
     <p:spTree>
       <p:nvGrpSpPr>
@@ -304,7 +317,9 @@
       <p:sp>
         <p:nvSpPr>
           <p:cNvPr id="7" name="Shape 7"/>
-          <p:cNvSpPr/>
+          <p:cNvSpPr>
+            <a:spLocks noGrp="1"/>
+          </p:cNvSpPr>
           <p:nvPr>
             <p:ph type="title"/>
           </p:nvPr>
@@ -335,7 +350,9 @@
       <p:sp>
         <p:nvSpPr>
           <p:cNvPr id="8" name="Shape 8"/>
-          <p:cNvSpPr/>
+          <p:cNvSpPr>
+            <a:spLocks noGrp="1"/>
+          </p:cNvSpPr>
           <p:nvPr>
             <p:ph type="body" idx="1"/>
           </p:nvPr>
@@ -385,7 +402,9 @@
       <p:sp>
         <p:nvSpPr>
           <p:cNvPr id="9" name="Shape 9"/>
-          <p:cNvSpPr/>
+          <p:cNvSpPr>
+            <a:spLocks noGrp="1"/>
+          </p:cNvSpPr>
           <p:nvPr>
             <p:ph type="sldNum" sz="quarter" idx="2"/>
           </p:nvPr>
@@ -400,7 +419,10 @@
           <a:lstStyle/>
           <a:p>
             <a:pPr lvl="0"/>
-            <a:fld id="{86CB4B4D-7CA3-9044-876B-883B54F8677D}" type="slidenum"/>
+            <a:fld id="{86CB4B4D-7CA3-9044-876B-883B54F8677D}" type="slidenum">
+              <a:t>‹#›</a:t>
+            </a:fld>
+            <a:endParaRPr/>
           </a:p>
         </p:txBody>
       </p:sp>
@@ -409,12 +431,12 @@
   <p:clrMapOvr>
     <a:masterClrMapping/>
   </p:clrMapOvr>
-  <p:transition spd="med" advClick="1"/>
+  <p:transition xmlns:p14="http://schemas.microsoft.com/office/powerpoint/2010/main" spd="med"/>
 </p:sldLayout>
 </file>
 
 <file path=ppt/slideLayouts/slideLayout10.xml><?xml version="1.0" encoding="utf-8"?>
-<p:sldLayout xmlns:a="http://schemas.openxmlformats.org/drawingml/2006/main" xmlns:r="http://schemas.openxmlformats.org/officeDocument/2006/relationships" xmlns:p="http://schemas.openxmlformats.org/presentationml/2006/main" type="tx" showMasterSp="1" showMasterPhAnim="1">
+<p:sldLayout xmlns:a="http://schemas.openxmlformats.org/drawingml/2006/main" xmlns:r="http://schemas.openxmlformats.org/officeDocument/2006/relationships" xmlns:p="http://schemas.openxmlformats.org/presentationml/2006/main" type="tx">
   <p:cSld name="Title and Vertical Text">
     <p:spTree>
       <p:nvGrpSpPr>
@@ -433,7 +455,9 @@
       <p:sp>
         <p:nvSpPr>
           <p:cNvPr id="40" name="Shape 40"/>
-          <p:cNvSpPr/>
+          <p:cNvSpPr>
+            <a:spLocks noGrp="1"/>
+          </p:cNvSpPr>
           <p:nvPr>
             <p:ph type="title"/>
           </p:nvPr>
@@ -460,7 +484,9 @@
       <p:sp>
         <p:nvSpPr>
           <p:cNvPr id="41" name="Shape 41"/>
-          <p:cNvSpPr/>
+          <p:cNvSpPr>
+            <a:spLocks noGrp="1"/>
+          </p:cNvSpPr>
           <p:nvPr>
             <p:ph type="body" idx="1"/>
           </p:nvPr>
@@ -481,7 +507,6 @@
               <a:rPr sz="3200"/>
               <a:t>Click to edit Master text styles</a:t>
             </a:r>
-            <a:endParaRPr sz="3200"/>
           </a:p>
           <a:p>
             <a:pPr lvl="1">
@@ -491,7 +516,6 @@
               <a:rPr sz="3200"/>
               <a:t>Second level</a:t>
             </a:r>
-            <a:endParaRPr sz="3200"/>
           </a:p>
           <a:p>
             <a:pPr lvl="2">
@@ -501,7 +525,6 @@
               <a:rPr sz="3200"/>
               <a:t>Third level</a:t>
             </a:r>
-            <a:endParaRPr sz="3200"/>
           </a:p>
           <a:p>
             <a:pPr lvl="3">
@@ -511,7 +534,6 @@
               <a:rPr sz="3200"/>
               <a:t>Fourth level</a:t>
             </a:r>
-            <a:endParaRPr sz="3200"/>
           </a:p>
           <a:p>
             <a:pPr lvl="4">
@@ -527,7 +549,9 @@
       <p:sp>
         <p:nvSpPr>
           <p:cNvPr id="42" name="Shape 42"/>
-          <p:cNvSpPr/>
+          <p:cNvSpPr>
+            <a:spLocks noGrp="1"/>
+          </p:cNvSpPr>
           <p:nvPr>
             <p:ph type="sldNum" sz="quarter" idx="2"/>
           </p:nvPr>
@@ -542,7 +566,10 @@
           <a:lstStyle/>
           <a:p>
             <a:pPr lvl="0"/>
-            <a:fld id="{86CB4B4D-7CA3-9044-876B-883B54F8677D}" type="slidenum"/>
+            <a:fld id="{86CB4B4D-7CA3-9044-876B-883B54F8677D}" type="slidenum">
+              <a:t>‹#›</a:t>
+            </a:fld>
+            <a:endParaRPr/>
           </a:p>
         </p:txBody>
       </p:sp>
@@ -551,12 +578,12 @@
   <p:clrMapOvr>
     <a:masterClrMapping/>
   </p:clrMapOvr>
-  <p:transition spd="med" advClick="1"/>
+  <p:transition xmlns:p14="http://schemas.microsoft.com/office/powerpoint/2010/main" spd="med"/>
 </p:sldLayout>
 </file>
 
 <file path=ppt/slideLayouts/slideLayout11.xml><?xml version="1.0" encoding="utf-8"?>
-<p:sldLayout xmlns:a="http://schemas.openxmlformats.org/drawingml/2006/main" xmlns:r="http://schemas.openxmlformats.org/officeDocument/2006/relationships" xmlns:p="http://schemas.openxmlformats.org/presentationml/2006/main" type="tx" showMasterSp="1" showMasterPhAnim="1">
+<p:sldLayout xmlns:a="http://schemas.openxmlformats.org/drawingml/2006/main" xmlns:r="http://schemas.openxmlformats.org/officeDocument/2006/relationships" xmlns:p="http://schemas.openxmlformats.org/presentationml/2006/main" type="tx">
   <p:cSld name="Vertical Title and Text">
     <p:spTree>
       <p:nvGrpSpPr>
@@ -575,7 +602,9 @@
       <p:sp>
         <p:nvSpPr>
           <p:cNvPr id="44" name="Shape 44"/>
-          <p:cNvSpPr/>
+          <p:cNvSpPr>
+            <a:spLocks noGrp="1"/>
+          </p:cNvSpPr>
           <p:nvPr>
             <p:ph type="title"/>
           </p:nvPr>
@@ -606,7 +635,9 @@
       <p:sp>
         <p:nvSpPr>
           <p:cNvPr id="45" name="Shape 45"/>
-          <p:cNvSpPr/>
+          <p:cNvSpPr>
+            <a:spLocks noGrp="1"/>
+          </p:cNvSpPr>
           <p:nvPr>
             <p:ph type="body" idx="1"/>
           </p:nvPr>
@@ -631,7 +662,6 @@
               <a:rPr sz="3200"/>
               <a:t>Click to edit Master text styles</a:t>
             </a:r>
-            <a:endParaRPr sz="3200"/>
           </a:p>
           <a:p>
             <a:pPr lvl="1">
@@ -641,7 +671,6 @@
               <a:rPr sz="3200"/>
               <a:t>Second level</a:t>
             </a:r>
-            <a:endParaRPr sz="3200"/>
           </a:p>
           <a:p>
             <a:pPr lvl="2">
@@ -651,7 +680,6 @@
               <a:rPr sz="3200"/>
               <a:t>Third level</a:t>
             </a:r>
-            <a:endParaRPr sz="3200"/>
           </a:p>
           <a:p>
             <a:pPr lvl="3">
@@ -661,7 +689,6 @@
               <a:rPr sz="3200"/>
               <a:t>Fourth level</a:t>
             </a:r>
-            <a:endParaRPr sz="3200"/>
           </a:p>
           <a:p>
             <a:pPr lvl="4">
@@ -677,7 +704,9 @@
       <p:sp>
         <p:nvSpPr>
           <p:cNvPr id="46" name="Shape 46"/>
-          <p:cNvSpPr/>
+          <p:cNvSpPr>
+            <a:spLocks noGrp="1"/>
+          </p:cNvSpPr>
           <p:nvPr>
             <p:ph type="sldNum" sz="quarter" idx="2"/>
           </p:nvPr>
@@ -692,7 +721,10 @@
           <a:lstStyle/>
           <a:p>
             <a:pPr lvl="0"/>
-            <a:fld id="{86CB4B4D-7CA3-9044-876B-883B54F8677D}" type="slidenum"/>
+            <a:fld id="{86CB4B4D-7CA3-9044-876B-883B54F8677D}" type="slidenum">
+              <a:t>‹#›</a:t>
+            </a:fld>
+            <a:endParaRPr/>
           </a:p>
         </p:txBody>
       </p:sp>
@@ -701,12 +733,12 @@
   <p:clrMapOvr>
     <a:masterClrMapping/>
   </p:clrMapOvr>
-  <p:transition spd="med" advClick="1"/>
+  <p:transition xmlns:p14="http://schemas.microsoft.com/office/powerpoint/2010/main" spd="med"/>
 </p:sldLayout>
 </file>
 
 <file path=ppt/slideLayouts/slideLayout2.xml><?xml version="1.0" encoding="utf-8"?>
-<p:sldLayout xmlns:a="http://schemas.openxmlformats.org/drawingml/2006/main" xmlns:r="http://schemas.openxmlformats.org/officeDocument/2006/relationships" xmlns:p="http://schemas.openxmlformats.org/presentationml/2006/main" type="tx" showMasterSp="1" showMasterPhAnim="1">
+<p:sldLayout xmlns:a="http://schemas.openxmlformats.org/drawingml/2006/main" xmlns:r="http://schemas.openxmlformats.org/officeDocument/2006/relationships" xmlns:p="http://schemas.openxmlformats.org/presentationml/2006/main" type="tx">
   <p:cSld name="Title and Content">
     <p:spTree>
       <p:nvGrpSpPr>
@@ -725,7 +757,9 @@
       <p:sp>
         <p:nvSpPr>
           <p:cNvPr id="11" name="Shape 11"/>
-          <p:cNvSpPr/>
+          <p:cNvSpPr>
+            <a:spLocks noGrp="1"/>
+          </p:cNvSpPr>
           <p:nvPr>
             <p:ph type="title"/>
           </p:nvPr>
@@ -752,7 +786,9 @@
       <p:sp>
         <p:nvSpPr>
           <p:cNvPr id="12" name="Shape 12"/>
-          <p:cNvSpPr/>
+          <p:cNvSpPr>
+            <a:spLocks noGrp="1"/>
+          </p:cNvSpPr>
           <p:nvPr>
             <p:ph type="body" idx="1"/>
           </p:nvPr>
@@ -773,7 +809,6 @@
               <a:rPr sz="3200"/>
               <a:t>Click to edit Master text styles</a:t>
             </a:r>
-            <a:endParaRPr sz="3200"/>
           </a:p>
           <a:p>
             <a:pPr lvl="1">
@@ -783,7 +818,6 @@
               <a:rPr sz="3200"/>
               <a:t>Second level</a:t>
             </a:r>
-            <a:endParaRPr sz="3200"/>
           </a:p>
           <a:p>
             <a:pPr lvl="2">
@@ -793,7 +827,6 @@
               <a:rPr sz="3200"/>
               <a:t>Third level</a:t>
             </a:r>
-            <a:endParaRPr sz="3200"/>
           </a:p>
           <a:p>
             <a:pPr lvl="3">
@@ -803,7 +836,6 @@
               <a:rPr sz="3200"/>
               <a:t>Fourth level</a:t>
             </a:r>
-            <a:endParaRPr sz="3200"/>
           </a:p>
           <a:p>
             <a:pPr lvl="4">
@@ -819,7 +851,9 @@
       <p:sp>
         <p:nvSpPr>
           <p:cNvPr id="13" name="Shape 13"/>
-          <p:cNvSpPr/>
+          <p:cNvSpPr>
+            <a:spLocks noGrp="1"/>
+          </p:cNvSpPr>
           <p:nvPr>
             <p:ph type="sldNum" sz="quarter" idx="2"/>
           </p:nvPr>
@@ -834,7 +868,10 @@
           <a:lstStyle/>
           <a:p>
             <a:pPr lvl="0"/>
-            <a:fld id="{86CB4B4D-7CA3-9044-876B-883B54F8677D}" type="slidenum"/>
+            <a:fld id="{86CB4B4D-7CA3-9044-876B-883B54F8677D}" type="slidenum">
+              <a:t>‹#›</a:t>
+            </a:fld>
+            <a:endParaRPr/>
           </a:p>
         </p:txBody>
       </p:sp>
@@ -843,12 +880,12 @@
   <p:clrMapOvr>
     <a:masterClrMapping/>
   </p:clrMapOvr>
-  <p:transition spd="med" advClick="1"/>
+  <p:transition xmlns:p14="http://schemas.microsoft.com/office/powerpoint/2010/main" spd="med"/>
 </p:sldLayout>
 </file>
 
 <file path=ppt/slideLayouts/slideLayout3.xml><?xml version="1.0" encoding="utf-8"?>
-<p:sldLayout xmlns:a="http://schemas.openxmlformats.org/drawingml/2006/main" xmlns:r="http://schemas.openxmlformats.org/officeDocument/2006/relationships" xmlns:p="http://schemas.openxmlformats.org/presentationml/2006/main" type="tx" showMasterSp="1" showMasterPhAnim="1">
+<p:sldLayout xmlns:a="http://schemas.openxmlformats.org/drawingml/2006/main" xmlns:r="http://schemas.openxmlformats.org/officeDocument/2006/relationships" xmlns:p="http://schemas.openxmlformats.org/presentationml/2006/main" type="tx">
   <p:cSld name="Section Header">
     <p:spTree>
       <p:nvGrpSpPr>
@@ -867,7 +904,9 @@
       <p:sp>
         <p:nvSpPr>
           <p:cNvPr id="15" name="Shape 15"/>
-          <p:cNvSpPr/>
+          <p:cNvSpPr>
+            <a:spLocks noGrp="1"/>
+          </p:cNvSpPr>
           <p:nvPr>
             <p:ph type="title"/>
           </p:nvPr>
@@ -885,15 +924,15 @@
           <a:bodyPr anchor="t"/>
           <a:lstStyle>
             <a:lvl1pPr algn="l">
-              <a:defRPr b="1" cap="all" sz="4000"/>
+              <a:defRPr sz="4000" b="1" cap="all"/>
             </a:lvl1pPr>
           </a:lstStyle>
           <a:p>
             <a:pPr lvl="0">
-              <a:defRPr b="0" cap="none" sz="1800"/>
-            </a:pPr>
-            <a:r>
-              <a:rPr b="1" cap="all" sz="4000"/>
+              <a:defRPr sz="1800" b="0" cap="none"/>
+            </a:pPr>
+            <a:r>
+              <a:rPr sz="4000" b="1" cap="all"/>
               <a:t>Click to edit Master title style</a:t>
             </a:r>
           </a:p>
@@ -902,7 +941,9 @@
       <p:sp>
         <p:nvSpPr>
           <p:cNvPr id="16" name="Shape 16"/>
-          <p:cNvSpPr/>
+          <p:cNvSpPr>
+            <a:spLocks noGrp="1"/>
+          </p:cNvSpPr>
           <p:nvPr>
             <p:ph type="body" idx="1"/>
           </p:nvPr>
@@ -955,7 +996,9 @@
       <p:sp>
         <p:nvSpPr>
           <p:cNvPr id="17" name="Shape 17"/>
-          <p:cNvSpPr/>
+          <p:cNvSpPr>
+            <a:spLocks noGrp="1"/>
+          </p:cNvSpPr>
           <p:nvPr>
             <p:ph type="sldNum" sz="quarter" idx="2"/>
           </p:nvPr>
@@ -970,7 +1013,10 @@
           <a:lstStyle/>
           <a:p>
             <a:pPr lvl="0"/>
-            <a:fld id="{86CB4B4D-7CA3-9044-876B-883B54F8677D}" type="slidenum"/>
+            <a:fld id="{86CB4B4D-7CA3-9044-876B-883B54F8677D}" type="slidenum">
+              <a:t>‹#›</a:t>
+            </a:fld>
+            <a:endParaRPr/>
           </a:p>
         </p:txBody>
       </p:sp>
@@ -979,12 +1025,12 @@
   <p:clrMapOvr>
     <a:masterClrMapping/>
   </p:clrMapOvr>
-  <p:transition spd="med" advClick="1"/>
+  <p:transition xmlns:p14="http://schemas.microsoft.com/office/powerpoint/2010/main" spd="med"/>
 </p:sldLayout>
 </file>
 
 <file path=ppt/slideLayouts/slideLayout4.xml><?xml version="1.0" encoding="utf-8"?>
-<p:sldLayout xmlns:a="http://schemas.openxmlformats.org/drawingml/2006/main" xmlns:r="http://schemas.openxmlformats.org/officeDocument/2006/relationships" xmlns:p="http://schemas.openxmlformats.org/presentationml/2006/main" type="tx" showMasterSp="1" showMasterPhAnim="1">
+<p:sldLayout xmlns:a="http://schemas.openxmlformats.org/drawingml/2006/main" xmlns:r="http://schemas.openxmlformats.org/officeDocument/2006/relationships" xmlns:p="http://schemas.openxmlformats.org/presentationml/2006/main" type="tx">
   <p:cSld name="Two Content">
     <p:spTree>
       <p:nvGrpSpPr>
@@ -1003,7 +1049,9 @@
       <p:sp>
         <p:nvSpPr>
           <p:cNvPr id="19" name="Shape 19"/>
-          <p:cNvSpPr/>
+          <p:cNvSpPr>
+            <a:spLocks noGrp="1"/>
+          </p:cNvSpPr>
           <p:nvPr>
             <p:ph type="title"/>
           </p:nvPr>
@@ -1030,7 +1078,9 @@
       <p:sp>
         <p:nvSpPr>
           <p:cNvPr id="20" name="Shape 20"/>
-          <p:cNvSpPr/>
+          <p:cNvSpPr>
+            <a:spLocks noGrp="1"/>
+          </p:cNvSpPr>
           <p:nvPr>
             <p:ph type="body" idx="1"/>
           </p:nvPr>
@@ -1086,7 +1136,6 @@
               <a:rPr sz="2800"/>
               <a:t>Click to edit Master text styles</a:t>
             </a:r>
-            <a:endParaRPr sz="2800"/>
           </a:p>
           <a:p>
             <a:pPr lvl="1">
@@ -1096,7 +1145,6 @@
               <a:rPr sz="2800"/>
               <a:t>Second level</a:t>
             </a:r>
-            <a:endParaRPr sz="2800"/>
           </a:p>
           <a:p>
             <a:pPr lvl="2">
@@ -1106,7 +1154,6 @@
               <a:rPr sz="2800"/>
               <a:t>Third level</a:t>
             </a:r>
-            <a:endParaRPr sz="2800"/>
           </a:p>
           <a:p>
             <a:pPr lvl="3">
@@ -1116,7 +1163,6 @@
               <a:rPr sz="2800"/>
               <a:t>Fourth level</a:t>
             </a:r>
-            <a:endParaRPr sz="2800"/>
           </a:p>
           <a:p>
             <a:pPr lvl="4">
@@ -1132,7 +1178,9 @@
       <p:sp>
         <p:nvSpPr>
           <p:cNvPr id="21" name="Shape 21"/>
-          <p:cNvSpPr/>
+          <p:cNvSpPr>
+            <a:spLocks noGrp="1"/>
+          </p:cNvSpPr>
           <p:nvPr>
             <p:ph type="sldNum" sz="quarter" idx="2"/>
           </p:nvPr>
@@ -1147,7 +1195,10 @@
           <a:lstStyle/>
           <a:p>
             <a:pPr lvl="0"/>
-            <a:fld id="{86CB4B4D-7CA3-9044-876B-883B54F8677D}" type="slidenum"/>
+            <a:fld id="{86CB4B4D-7CA3-9044-876B-883B54F8677D}" type="slidenum">
+              <a:t>‹#›</a:t>
+            </a:fld>
+            <a:endParaRPr/>
           </a:p>
         </p:txBody>
       </p:sp>
@@ -1156,12 +1207,12 @@
   <p:clrMapOvr>
     <a:masterClrMapping/>
   </p:clrMapOvr>
-  <p:transition spd="med" advClick="1"/>
+  <p:transition xmlns:p14="http://schemas.microsoft.com/office/powerpoint/2010/main" spd="med"/>
 </p:sldLayout>
 </file>
 
 <file path=ppt/slideLayouts/slideLayout5.xml><?xml version="1.0" encoding="utf-8"?>
-<p:sldLayout xmlns:a="http://schemas.openxmlformats.org/drawingml/2006/main" xmlns:r="http://schemas.openxmlformats.org/officeDocument/2006/relationships" xmlns:p="http://schemas.openxmlformats.org/presentationml/2006/main" type="tx" showMasterSp="1" showMasterPhAnim="1">
+<p:sldLayout xmlns:a="http://schemas.openxmlformats.org/drawingml/2006/main" xmlns:r="http://schemas.openxmlformats.org/officeDocument/2006/relationships" xmlns:p="http://schemas.openxmlformats.org/presentationml/2006/main" type="tx">
   <p:cSld name="Comparison">
     <p:spTree>
       <p:nvGrpSpPr>
@@ -1180,7 +1231,9 @@
       <p:sp>
         <p:nvSpPr>
           <p:cNvPr id="23" name="Shape 23"/>
-          <p:cNvSpPr/>
+          <p:cNvSpPr>
+            <a:spLocks noGrp="1"/>
+          </p:cNvSpPr>
           <p:nvPr>
             <p:ph type="title"/>
           </p:nvPr>
@@ -1211,7 +1264,9 @@
       <p:sp>
         <p:nvSpPr>
           <p:cNvPr id="24" name="Shape 24"/>
-          <p:cNvSpPr/>
+          <p:cNvSpPr>
+            <a:spLocks noGrp="1"/>
+          </p:cNvSpPr>
           <p:nvPr>
             <p:ph type="body" idx="1"/>
           </p:nvPr>
@@ -1235,15 +1290,15 @@
               <a:buSzTx/>
               <a:buFontTx/>
               <a:buNone/>
-              <a:defRPr b="1" sz="2400"/>
+              <a:defRPr sz="2400" b="1"/>
             </a:lvl1pPr>
           </a:lstStyle>
           <a:p>
             <a:pPr lvl="0">
-              <a:defRPr b="0" sz="1800"/>
-            </a:pPr>
-            <a:r>
-              <a:rPr b="1" sz="2400"/>
+              <a:defRPr sz="1800" b="0"/>
+            </a:pPr>
+            <a:r>
+              <a:rPr sz="2400" b="1"/>
               <a:t>Click to edit Master text styles</a:t>
             </a:r>
           </a:p>
@@ -1252,7 +1307,9 @@
       <p:sp>
         <p:nvSpPr>
           <p:cNvPr id="25" name="Shape 25"/>
-          <p:cNvSpPr/>
+          <p:cNvSpPr>
+            <a:spLocks noGrp="1"/>
+          </p:cNvSpPr>
           <p:nvPr>
             <p:ph type="sldNum" sz="quarter" idx="2"/>
           </p:nvPr>
@@ -1267,7 +1324,10 @@
           <a:lstStyle/>
           <a:p>
             <a:pPr lvl="0"/>
-            <a:fld id="{86CB4B4D-7CA3-9044-876B-883B54F8677D}" type="slidenum"/>
+            <a:fld id="{86CB4B4D-7CA3-9044-876B-883B54F8677D}" type="slidenum">
+              <a:t>‹#›</a:t>
+            </a:fld>
+            <a:endParaRPr/>
           </a:p>
         </p:txBody>
       </p:sp>
@@ -1276,12 +1336,12 @@
   <p:clrMapOvr>
     <a:masterClrMapping/>
   </p:clrMapOvr>
-  <p:transition spd="med" advClick="1"/>
+  <p:transition xmlns:p14="http://schemas.microsoft.com/office/powerpoint/2010/main" spd="med"/>
 </p:sldLayout>
 </file>
 
 <file path=ppt/slideLayouts/slideLayout6.xml><?xml version="1.0" encoding="utf-8"?>
-<p:sldLayout xmlns:a="http://schemas.openxmlformats.org/drawingml/2006/main" xmlns:r="http://schemas.openxmlformats.org/officeDocument/2006/relationships" xmlns:p="http://schemas.openxmlformats.org/presentationml/2006/main" type="tx" showMasterSp="1" showMasterPhAnim="1">
+<p:sldLayout xmlns:a="http://schemas.openxmlformats.org/drawingml/2006/main" xmlns:r="http://schemas.openxmlformats.org/officeDocument/2006/relationships" xmlns:p="http://schemas.openxmlformats.org/presentationml/2006/main" type="tx">
   <p:cSld name="Title Only">
     <p:spTree>
       <p:nvGrpSpPr>
@@ -1300,7 +1360,9 @@
       <p:sp>
         <p:nvSpPr>
           <p:cNvPr id="27" name="Shape 27"/>
-          <p:cNvSpPr/>
+          <p:cNvSpPr>
+            <a:spLocks noGrp="1"/>
+          </p:cNvSpPr>
           <p:nvPr>
             <p:ph type="title"/>
           </p:nvPr>
@@ -1331,7 +1393,9 @@
       <p:sp>
         <p:nvSpPr>
           <p:cNvPr id="28" name="Shape 28"/>
-          <p:cNvSpPr/>
+          <p:cNvSpPr>
+            <a:spLocks noGrp="1"/>
+          </p:cNvSpPr>
           <p:nvPr>
             <p:ph type="sldNum" sz="quarter" idx="2"/>
           </p:nvPr>
@@ -1346,7 +1410,10 @@
           <a:lstStyle/>
           <a:p>
             <a:pPr lvl="0"/>
-            <a:fld id="{86CB4B4D-7CA3-9044-876B-883B54F8677D}" type="slidenum"/>
+            <a:fld id="{86CB4B4D-7CA3-9044-876B-883B54F8677D}" type="slidenum">
+              <a:t>‹#›</a:t>
+            </a:fld>
+            <a:endParaRPr/>
           </a:p>
         </p:txBody>
       </p:sp>
@@ -1355,12 +1422,12 @@
   <p:clrMapOvr>
     <a:masterClrMapping/>
   </p:clrMapOvr>
-  <p:transition spd="med" advClick="1"/>
+  <p:transition xmlns:p14="http://schemas.microsoft.com/office/powerpoint/2010/main" spd="med"/>
 </p:sldLayout>
 </file>
 
 <file path=ppt/slideLayouts/slideLayout7.xml><?xml version="1.0" encoding="utf-8"?>
-<p:sldLayout xmlns:a="http://schemas.openxmlformats.org/drawingml/2006/main" xmlns:r="http://schemas.openxmlformats.org/officeDocument/2006/relationships" xmlns:p="http://schemas.openxmlformats.org/presentationml/2006/main" type="tx" showMasterSp="1" showMasterPhAnim="1">
+<p:sldLayout xmlns:a="http://schemas.openxmlformats.org/drawingml/2006/main" xmlns:r="http://schemas.openxmlformats.org/officeDocument/2006/relationships" xmlns:p="http://schemas.openxmlformats.org/presentationml/2006/main" type="tx">
   <p:cSld name="Blank">
     <p:spTree>
       <p:nvGrpSpPr>
@@ -1379,7 +1446,9 @@
       <p:sp>
         <p:nvSpPr>
           <p:cNvPr id="30" name="Shape 30"/>
-          <p:cNvSpPr/>
+          <p:cNvSpPr>
+            <a:spLocks noGrp="1"/>
+          </p:cNvSpPr>
           <p:nvPr>
             <p:ph type="sldNum" sz="quarter" idx="2"/>
           </p:nvPr>
@@ -1394,7 +1463,10 @@
           <a:lstStyle/>
           <a:p>
             <a:pPr lvl="0"/>
-            <a:fld id="{86CB4B4D-7CA3-9044-876B-883B54F8677D}" type="slidenum"/>
+            <a:fld id="{86CB4B4D-7CA3-9044-876B-883B54F8677D}" type="slidenum">
+              <a:t>‹#›</a:t>
+            </a:fld>
+            <a:endParaRPr/>
           </a:p>
         </p:txBody>
       </p:sp>
@@ -1403,12 +1475,12 @@
   <p:clrMapOvr>
     <a:masterClrMapping/>
   </p:clrMapOvr>
-  <p:transition spd="med" advClick="1"/>
+  <p:transition xmlns:p14="http://schemas.microsoft.com/office/powerpoint/2010/main" spd="med"/>
 </p:sldLayout>
 </file>
 
 <file path=ppt/slideLayouts/slideLayout8.xml><?xml version="1.0" encoding="utf-8"?>
-<p:sldLayout xmlns:a="http://schemas.openxmlformats.org/drawingml/2006/main" xmlns:r="http://schemas.openxmlformats.org/officeDocument/2006/relationships" xmlns:p="http://schemas.openxmlformats.org/presentationml/2006/main" type="tx" showMasterSp="1" showMasterPhAnim="1">
+<p:sldLayout xmlns:a="http://schemas.openxmlformats.org/drawingml/2006/main" xmlns:r="http://schemas.openxmlformats.org/officeDocument/2006/relationships" xmlns:p="http://schemas.openxmlformats.org/presentationml/2006/main" type="tx">
   <p:cSld name="Content with Caption">
     <p:spTree>
       <p:nvGrpSpPr>
@@ -1427,7 +1499,9 @@
       <p:sp>
         <p:nvSpPr>
           <p:cNvPr id="32" name="Shape 32"/>
-          <p:cNvSpPr/>
+          <p:cNvSpPr>
+            <a:spLocks noGrp="1"/>
+          </p:cNvSpPr>
           <p:nvPr>
             <p:ph type="title"/>
           </p:nvPr>
@@ -1445,15 +1519,15 @@
           <a:bodyPr anchor="b"/>
           <a:lstStyle>
             <a:lvl1pPr algn="l">
-              <a:defRPr b="1" sz="2000"/>
+              <a:defRPr sz="2000" b="1"/>
             </a:lvl1pPr>
           </a:lstStyle>
           <a:p>
             <a:pPr lvl="0">
-              <a:defRPr b="0" sz="1800"/>
-            </a:pPr>
-            <a:r>
-              <a:rPr b="1" sz="2000"/>
+              <a:defRPr sz="1800" b="0"/>
+            </a:pPr>
+            <a:r>
+              <a:rPr sz="2000" b="1"/>
               <a:t>Click to edit Master title style</a:t>
             </a:r>
           </a:p>
@@ -1462,7 +1536,9 @@
       <p:sp>
         <p:nvSpPr>
           <p:cNvPr id="33" name="Shape 33"/>
-          <p:cNvSpPr/>
+          <p:cNvSpPr>
+            <a:spLocks noGrp="1"/>
+          </p:cNvSpPr>
           <p:nvPr>
             <p:ph type="body" idx="1"/>
           </p:nvPr>
@@ -1487,7 +1563,6 @@
               <a:rPr sz="3200"/>
               <a:t>Click to edit Master text styles</a:t>
             </a:r>
-            <a:endParaRPr sz="3200"/>
           </a:p>
           <a:p>
             <a:pPr lvl="1">
@@ -1497,7 +1572,6 @@
               <a:rPr sz="3200"/>
               <a:t>Second level</a:t>
             </a:r>
-            <a:endParaRPr sz="3200"/>
           </a:p>
           <a:p>
             <a:pPr lvl="2">
@@ -1507,7 +1581,6 @@
               <a:rPr sz="3200"/>
               <a:t>Third level</a:t>
             </a:r>
-            <a:endParaRPr sz="3200"/>
           </a:p>
           <a:p>
             <a:pPr lvl="3">
@@ -1517,7 +1590,6 @@
               <a:rPr sz="3200"/>
               <a:t>Fourth level</a:t>
             </a:r>
-            <a:endParaRPr sz="3200"/>
           </a:p>
           <a:p>
             <a:pPr lvl="4">
@@ -1533,7 +1605,9 @@
       <p:sp>
         <p:nvSpPr>
           <p:cNvPr id="34" name="Shape 34"/>
-          <p:cNvSpPr/>
+          <p:cNvSpPr>
+            <a:spLocks noGrp="1"/>
+          </p:cNvSpPr>
           <p:nvPr>
             <p:ph type="sldNum" sz="quarter" idx="2"/>
           </p:nvPr>
@@ -1548,7 +1622,10 @@
           <a:lstStyle/>
           <a:p>
             <a:pPr lvl="0"/>
-            <a:fld id="{86CB4B4D-7CA3-9044-876B-883B54F8677D}" type="slidenum"/>
+            <a:fld id="{86CB4B4D-7CA3-9044-876B-883B54F8677D}" type="slidenum">
+              <a:t>‹#›</a:t>
+            </a:fld>
+            <a:endParaRPr/>
           </a:p>
         </p:txBody>
       </p:sp>
@@ -1557,12 +1634,12 @@
   <p:clrMapOvr>
     <a:masterClrMapping/>
   </p:clrMapOvr>
-  <p:transition spd="med" advClick="1"/>
+  <p:transition xmlns:p14="http://schemas.microsoft.com/office/powerpoint/2010/main" spd="med"/>
 </p:sldLayout>
 </file>
 
 <file path=ppt/slideLayouts/slideLayout9.xml><?xml version="1.0" encoding="utf-8"?>
-<p:sldLayout xmlns:a="http://schemas.openxmlformats.org/drawingml/2006/main" xmlns:r="http://schemas.openxmlformats.org/officeDocument/2006/relationships" xmlns:p="http://schemas.openxmlformats.org/presentationml/2006/main" type="tx" showMasterSp="1" showMasterPhAnim="1">
+<p:sldLayout xmlns:a="http://schemas.openxmlformats.org/drawingml/2006/main" xmlns:r="http://schemas.openxmlformats.org/officeDocument/2006/relationships" xmlns:p="http://schemas.openxmlformats.org/presentationml/2006/main" type="tx">
   <p:cSld name="Picture with Caption">
     <p:spTree>
       <p:nvGrpSpPr>
@@ -1581,7 +1658,9 @@
       <p:sp>
         <p:nvSpPr>
           <p:cNvPr id="36" name="Shape 36"/>
-          <p:cNvSpPr/>
+          <p:cNvSpPr>
+            <a:spLocks noGrp="1"/>
+          </p:cNvSpPr>
           <p:nvPr>
             <p:ph type="title"/>
           </p:nvPr>
@@ -1599,15 +1678,15 @@
           <a:bodyPr anchor="b"/>
           <a:lstStyle>
             <a:lvl1pPr algn="l">
-              <a:defRPr b="1" sz="2000"/>
+              <a:defRPr sz="2000" b="1"/>
             </a:lvl1pPr>
           </a:lstStyle>
           <a:p>
             <a:pPr lvl="0">
-              <a:defRPr b="0" sz="1800"/>
-            </a:pPr>
-            <a:r>
-              <a:rPr b="1" sz="2000"/>
+              <a:defRPr sz="1800" b="0"/>
+            </a:pPr>
+            <a:r>
+              <a:rPr sz="2000" b="1"/>
               <a:t>Click to edit Master title style</a:t>
             </a:r>
           </a:p>
@@ -1616,7 +1695,9 @@
       <p:sp>
         <p:nvSpPr>
           <p:cNvPr id="37" name="Shape 37"/>
-          <p:cNvSpPr/>
+          <p:cNvSpPr>
+            <a:spLocks noGrp="1"/>
+          </p:cNvSpPr>
           <p:nvPr>
             <p:ph type="body" idx="1"/>
           </p:nvPr>
@@ -1657,7 +1738,9 @@
       <p:sp>
         <p:nvSpPr>
           <p:cNvPr id="38" name="Shape 38"/>
-          <p:cNvSpPr/>
+          <p:cNvSpPr>
+            <a:spLocks noGrp="1"/>
+          </p:cNvSpPr>
           <p:nvPr>
             <p:ph type="sldNum" sz="quarter" idx="2"/>
           </p:nvPr>
@@ -1672,7 +1755,10 @@
           <a:lstStyle/>
           <a:p>
             <a:pPr lvl="0"/>
-            <a:fld id="{86CB4B4D-7CA3-9044-876B-883B54F8677D}" type="slidenum"/>
+            <a:fld id="{86CB4B4D-7CA3-9044-876B-883B54F8677D}" type="slidenum">
+              <a:t>‹#›</a:t>
+            </a:fld>
+            <a:endParaRPr/>
           </a:p>
         </p:txBody>
       </p:sp>
@@ -1681,7 +1767,7 @@
   <p:clrMapOvr>
     <a:masterClrMapping/>
   </p:clrMapOvr>
-  <p:transition spd="med" advClick="1"/>
+  <p:transition xmlns:p14="http://schemas.microsoft.com/office/powerpoint/2010/main" spd="med"/>
 </p:sldLayout>
 </file>
 
@@ -1693,6 +1779,7 @@
         <a:solidFill>
           <a:srgbClr val="FFFFFF"/>
         </a:solidFill>
+        <a:effectLst/>
       </p:bgPr>
     </p:bg>
     <p:spTree>
@@ -1716,7 +1803,7 @@
           <p:nvPr/>
         </p:nvPicPr>
         <p:blipFill>
-          <a:blip r:embed="rId2">
+          <a:blip r:embed="rId13">
             <a:extLst/>
           </a:blip>
           <a:stretch>
@@ -1739,7 +1826,9 @@
       <p:sp>
         <p:nvSpPr>
           <p:cNvPr id="3" name="Shape 3"/>
-          <p:cNvSpPr/>
+          <p:cNvSpPr>
+            <a:spLocks noGrp="1"/>
+          </p:cNvSpPr>
           <p:nvPr>
             <p:ph type="title"/>
           </p:nvPr>
@@ -1763,7 +1852,7 @@
         </p:spPr>
         <p:txBody>
           <a:bodyPr lIns="45718" tIns="45718" rIns="45718" bIns="45718" anchor="ctr">
-            <a:normAutofit fontScale="100000" lnSpcReduction="0"/>
+            <a:normAutofit/>
           </a:bodyPr>
           <a:lstStyle/>
           <a:p>
@@ -1780,7 +1869,9 @@
       <p:sp>
         <p:nvSpPr>
           <p:cNvPr id="4" name="Shape 4"/>
-          <p:cNvSpPr/>
+          <p:cNvSpPr>
+            <a:spLocks noGrp="1"/>
+          </p:cNvSpPr>
           <p:nvPr>
             <p:ph type="body" idx="1"/>
           </p:nvPr>
@@ -1804,7 +1895,7 @@
         </p:spPr>
         <p:txBody>
           <a:bodyPr lIns="45718" tIns="45718" rIns="45718" bIns="45718">
-            <a:normAutofit fontScale="100000" lnSpcReduction="0"/>
+            <a:normAutofit/>
           </a:bodyPr>
           <a:lstStyle/>
           <a:p>
@@ -1815,7 +1906,6 @@
               <a:rPr sz="3200"/>
               <a:t>Click to edit Master text styles</a:t>
             </a:r>
-            <a:endParaRPr sz="3200"/>
           </a:p>
           <a:p>
             <a:pPr lvl="1">
@@ -1825,7 +1915,6 @@
               <a:rPr sz="3200"/>
               <a:t>Second level</a:t>
             </a:r>
-            <a:endParaRPr sz="3200"/>
           </a:p>
           <a:p>
             <a:pPr lvl="2">
@@ -1835,7 +1924,6 @@
               <a:rPr sz="3200"/>
               <a:t>Third level</a:t>
             </a:r>
-            <a:endParaRPr sz="3200"/>
           </a:p>
           <a:p>
             <a:pPr lvl="3">
@@ -1845,7 +1933,6 @@
               <a:rPr sz="3200"/>
               <a:t>Fourth level</a:t>
             </a:r>
-            <a:endParaRPr sz="3200"/>
           </a:p>
           <a:p>
             <a:pPr lvl="4">
@@ -1861,7 +1948,9 @@
       <p:sp>
         <p:nvSpPr>
           <p:cNvPr id="5" name="Shape 5"/>
-          <p:cNvSpPr/>
+          <p:cNvSpPr>
+            <a:spLocks noGrp="1"/>
+          </p:cNvSpPr>
           <p:nvPr>
             <p:ph type="sldNum" sz="quarter" idx="2"/>
           </p:nvPr>
@@ -1894,7 +1983,10 @@
           </a:lstStyle>
           <a:p>
             <a:pPr lvl="0"/>
-            <a:fld id="{86CB4B4D-7CA3-9044-876B-883B54F8677D}" type="slidenum"/>
+            <a:fld id="{86CB4B4D-7CA3-9044-876B-883B54F8677D}" type="slidenum">
+              <a:t>‹#›</a:t>
+            </a:fld>
+            <a:endParaRPr/>
           </a:p>
         </p:txBody>
       </p:sp>
@@ -1902,19 +1994,19 @@
   </p:cSld>
   <p:clrMap bg1="lt1" tx1="dk1" bg2="lt2" tx2="dk2" accent1="accent1" accent2="accent2" accent3="accent3" accent4="accent4" accent5="accent5" accent6="accent6" hlink="hlink" folHlink="folHlink"/>
   <p:sldLayoutIdLst>
-    <p:sldLayoutId id="2147483649" r:id="rId3"/>
-    <p:sldLayoutId id="2147483650" r:id="rId4"/>
-    <p:sldLayoutId id="2147483651" r:id="rId5"/>
-    <p:sldLayoutId id="2147483652" r:id="rId6"/>
-    <p:sldLayoutId id="2147483653" r:id="rId7"/>
-    <p:sldLayoutId id="2147483654" r:id="rId8"/>
-    <p:sldLayoutId id="2147483655" r:id="rId9"/>
-    <p:sldLayoutId id="2147483656" r:id="rId10"/>
-    <p:sldLayoutId id="2147483657" r:id="rId11"/>
-    <p:sldLayoutId id="2147483658" r:id="rId12"/>
-    <p:sldLayoutId id="2147483659" r:id="rId13"/>
+    <p:sldLayoutId id="2147483649" r:id="rId1"/>
+    <p:sldLayoutId id="2147483650" r:id="rId2"/>
+    <p:sldLayoutId id="2147483651" r:id="rId3"/>
+    <p:sldLayoutId id="2147483652" r:id="rId4"/>
+    <p:sldLayoutId id="2147483653" r:id="rId5"/>
+    <p:sldLayoutId id="2147483654" r:id="rId6"/>
+    <p:sldLayoutId id="2147483655" r:id="rId7"/>
+    <p:sldLayoutId id="2147483656" r:id="rId8"/>
+    <p:sldLayoutId id="2147483657" r:id="rId9"/>
+    <p:sldLayoutId id="2147483658" r:id="rId10"/>
+    <p:sldLayoutId id="2147483659" r:id="rId11"/>
   </p:sldLayoutIdLst>
-  <p:transition spd="med" advClick="1"/>
+  <p:transition xmlns:p14="http://schemas.microsoft.com/office/powerpoint/2010/main" spd="med"/>
   <p:txStyles>
     <p:titleStyle>
       <a:lvl1pPr algn="ctr" defTabSz="457200">
@@ -2224,7 +2316,7 @@
 </file>
 
 <file path=ppt/slides/slide1.xml><?xml version="1.0" encoding="utf-8"?>
-<p:sld xmlns:a="http://schemas.openxmlformats.org/drawingml/2006/main" xmlns:r="http://schemas.openxmlformats.org/officeDocument/2006/relationships" xmlns:p="http://schemas.openxmlformats.org/presentationml/2006/main" showMasterSp="1" showMasterPhAnim="1">
+<p:sld xmlns:a="http://schemas.openxmlformats.org/drawingml/2006/main" xmlns:r="http://schemas.openxmlformats.org/officeDocument/2006/relationships" xmlns:p="http://schemas.openxmlformats.org/presentationml/2006/main">
   <p:cSld>
     <p:spTree>
       <p:nvGrpSpPr>
@@ -2243,7 +2335,9 @@
       <p:sp>
         <p:nvSpPr>
           <p:cNvPr id="50" name="Shape 50"/>
-          <p:cNvSpPr/>
+          <p:cNvSpPr>
+            <a:spLocks noGrp="1"/>
+          </p:cNvSpPr>
           <p:nvPr>
             <p:ph type="title"/>
           </p:nvPr>
@@ -2271,6 +2365,10 @@
             <a:br>
               <a:rPr sz="4400"/>
             </a:br>
+            <a:r>
+              <a:rPr sz="4400"/>
+              <a:t/>
+            </a:r>
             <a:br>
               <a:rPr sz="4400"/>
             </a:br>
@@ -2284,7 +2382,9 @@
       <p:sp>
         <p:nvSpPr>
           <p:cNvPr id="51" name="Shape 51"/>
-          <p:cNvSpPr/>
+          <p:cNvSpPr>
+            <a:spLocks noGrp="1"/>
+          </p:cNvSpPr>
           <p:nvPr>
             <p:ph type="body" idx="1"/>
           </p:nvPr>
@@ -2317,11 +2417,6 @@
               </a:rPr>
               <a:t>@pelger</a:t>
             </a:r>
-            <a:endParaRPr sz="3200">
-              <a:solidFill>
-                <a:srgbClr val="888888"/>
-              </a:solidFill>
-            </a:endParaRPr>
           </a:p>
           <a:p>
             <a:pPr lvl="0" algn="r">
@@ -2339,11 +2434,6 @@
               </a:rPr>
               <a:t>@mcollina</a:t>
             </a:r>
-            <a:endParaRPr sz="3200">
-              <a:solidFill>
-                <a:srgbClr val="888888"/>
-              </a:solidFill>
-            </a:endParaRPr>
           </a:p>
           <a:p>
             <a:pPr lvl="0" algn="r">
@@ -2369,12 +2459,154 @@
   <p:clrMapOvr>
     <a:masterClrMapping/>
   </p:clrMapOvr>
-  <p:transition spd="med" advClick="1"/>
+  <p:transition xmlns:p14="http://schemas.microsoft.com/office/powerpoint/2010/main" spd="med"/>
 </p:sld>
 </file>
 
 <file path=ppt/slides/slide10.xml><?xml version="1.0" encoding="utf-8"?>
-<p:sld xmlns:a="http://schemas.openxmlformats.org/drawingml/2006/main" xmlns:r="http://schemas.openxmlformats.org/officeDocument/2006/relationships" xmlns:p="http://schemas.openxmlformats.org/presentationml/2006/main" showMasterSp="1" showMasterPhAnim="1">
+<p:sld xmlns:a="http://schemas.openxmlformats.org/drawingml/2006/main" xmlns:r="http://schemas.openxmlformats.org/officeDocument/2006/relationships" xmlns:p="http://schemas.openxmlformats.org/presentationml/2006/main">
+  <p:cSld>
+    <p:spTree>
+      <p:nvGrpSpPr>
+        <p:cNvPr id="1" name=""/>
+        <p:cNvGrpSpPr/>
+        <p:nvPr/>
+      </p:nvGrpSpPr>
+      <p:grpSpPr>
+        <a:xfrm>
+          <a:off x="0" y="0"/>
+          <a:ext cx="0" cy="0"/>
+          <a:chOff x="0" y="0"/>
+          <a:chExt cx="0" cy="0"/>
+        </a:xfrm>
+      </p:grpSpPr>
+      <p:sp>
+        <p:nvSpPr>
+          <p:cNvPr id="74" name="Shape 74"/>
+          <p:cNvSpPr>
+            <a:spLocks noGrp="1"/>
+          </p:cNvSpPr>
+          <p:nvPr>
+            <p:ph type="title"/>
+          </p:nvPr>
+        </p:nvSpPr>
+        <p:spPr>
+          <a:xfrm>
+            <a:off x="457200" y="274638"/>
+            <a:ext cx="8229600" cy="1143001"/>
+          </a:xfrm>
+          <a:prstGeom prst="rect">
+            <a:avLst/>
+          </a:prstGeom>
+        </p:spPr>
+        <p:txBody>
+          <a:bodyPr/>
+          <a:lstStyle/>
+          <a:p>
+            <a:pPr lvl="0">
+              <a:defRPr sz="1800"/>
+            </a:pPr>
+            <a:r>
+              <a:rPr sz="4400"/>
+              <a:t>Get the workshop</a:t>
+            </a:r>
+          </a:p>
+        </p:txBody>
+      </p:sp>
+      <p:sp>
+        <p:nvSpPr>
+          <p:cNvPr id="75" name="Shape 75"/>
+          <p:cNvSpPr>
+            <a:spLocks noGrp="1"/>
+          </p:cNvSpPr>
+          <p:nvPr>
+            <p:ph type="body" idx="1"/>
+          </p:nvPr>
+        </p:nvSpPr>
+        <p:spPr>
+          <a:xfrm>
+            <a:off x="457200" y="1600200"/>
+            <a:ext cx="8229600" cy="4525963"/>
+          </a:xfrm>
+          <a:prstGeom prst="rect">
+            <a:avLst/>
+          </a:prstGeom>
+        </p:spPr>
+        <p:txBody>
+          <a:bodyPr/>
+          <a:lstStyle/>
+          <a:p>
+            <a:pPr marL="1926636" lvl="0" indent="-1926636">
+              <a:defRPr sz="1800"/>
+            </a:pPr>
+            <a:r>
+              <a:rPr sz="3200"/>
+              <a:t>Clone the following repo</a:t>
+            </a:r>
+          </a:p>
+          <a:p>
+            <a:pPr marL="0" lvl="0" indent="0" algn="ctr">
+              <a:buSzTx/>
+              <a:buNone/>
+              <a:defRPr sz="1800"/>
+            </a:pPr>
+            <a:endParaRPr sz="3200"/>
+          </a:p>
+          <a:p>
+            <a:pPr marL="0" lvl="0" indent="0" algn="ctr">
+              <a:buSzTx/>
+              <a:buNone/>
+              <a:defRPr sz="1800"/>
+            </a:pPr>
+            <a:r>
+              <a:rPr sz="3700">
+                <a:latin typeface="PT Mono"/>
+                <a:ea typeface="PT Mono"/>
+                <a:cs typeface="PT Mono"/>
+                <a:sym typeface="PT Mono"/>
+              </a:rPr>
+              <a:t>https://github.com/nearform/developing-microservices</a:t>
+            </a:r>
+            <a:endParaRPr sz="4500">
+              <a:latin typeface="PT Mono"/>
+              <a:ea typeface="PT Mono"/>
+              <a:cs typeface="PT Mono"/>
+              <a:sym typeface="PT Mono"/>
+            </a:endParaRPr>
+          </a:p>
+          <a:p>
+            <a:pPr marL="0" lvl="1" indent="457200">
+              <a:spcBef>
+                <a:spcPts val="600"/>
+              </a:spcBef>
+              <a:buSzTx/>
+              <a:buNone/>
+              <a:defRPr sz="1800"/>
+            </a:pPr>
+            <a:endParaRPr sz="2800"/>
+          </a:p>
+          <a:p>
+            <a:pPr marL="1926636" lvl="0" indent="-1926636">
+              <a:defRPr sz="1800"/>
+            </a:pPr>
+            <a:r>
+              <a:rPr sz="3200"/>
+              <a:t>Or grab the tarball from a key drive</a:t>
+            </a:r>
+          </a:p>
+        </p:txBody>
+      </p:sp>
+    </p:spTree>
+  </p:cSld>
+  <p:clrMapOvr>
+    <a:masterClrMapping/>
+  </p:clrMapOvr>
+  <p:transition xmlns:p14="http://schemas.microsoft.com/office/powerpoint/2010/main" spd="med"/>
+</p:sld>
+</file>
+
+<file path=ppt/slides/slide11.xml><?xml version="1.0" encoding="utf-8"?>
+<p:sld xmlns:a="http://schemas.openxmlformats.org/drawingml/2006/main" xmlns:r="http://schemas.openxmlformats.org/officeDocument/2006/relationships" xmlns:p="http://schemas.openxmlformats.org/presentationml/2006/main">
   <p:cSld>
     <p:spTree>
       <p:nvGrpSpPr>
@@ -2393,7 +2625,9 @@
       <p:sp>
         <p:nvSpPr>
           <p:cNvPr id="77" name="Shape 77"/>
-          <p:cNvSpPr/>
+          <p:cNvSpPr>
+            <a:spLocks noGrp="1"/>
+          </p:cNvSpPr>
           <p:nvPr>
             <p:ph type="title"/>
           </p:nvPr>
@@ -2424,7 +2658,9 @@
       <p:sp>
         <p:nvSpPr>
           <p:cNvPr id="78" name="Shape 78"/>
-          <p:cNvSpPr/>
+          <p:cNvSpPr>
+            <a:spLocks noGrp="1"/>
+          </p:cNvSpPr>
           <p:nvPr>
             <p:ph type="body" idx="1"/>
           </p:nvPr>
@@ -2442,55 +2678,52 @@
           <a:bodyPr/>
           <a:lstStyle/>
           <a:p>
-            <a:pPr lvl="0" marL="1926636" indent="-1926636">
+            <a:pPr marL="1926636" lvl="0" indent="-1926636">
               <a:defRPr sz="1800"/>
             </a:pPr>
             <a:r>
               <a:rPr sz="3200"/>
               <a:t>Step0/README.md</a:t>
             </a:r>
+          </a:p>
+          <a:p>
+            <a:pPr lvl="0">
+              <a:defRPr sz="1800"/>
+            </a:pPr>
             <a:endParaRPr sz="3200"/>
           </a:p>
           <a:p>
-            <a:pPr lvl="0">
-              <a:defRPr sz="1800"/>
-            </a:pPr>
-            <a:endParaRPr sz="3200"/>
-          </a:p>
-          <a:p>
-            <a:pPr lvl="0" marL="1926636" indent="-1926636">
+            <a:pPr marL="1926636" lvl="0" indent="-1926636">
               <a:defRPr sz="1800"/>
             </a:pPr>
             <a:r>
               <a:rPr sz="3200"/>
               <a:t>Build and run the front end as a container</a:t>
             </a:r>
+          </a:p>
+          <a:p>
+            <a:pPr lvl="0">
+              <a:defRPr sz="1800"/>
+            </a:pPr>
             <a:endParaRPr sz="3200"/>
           </a:p>
           <a:p>
-            <a:pPr lvl="0">
-              <a:defRPr sz="1800"/>
-            </a:pPr>
-            <a:endParaRPr sz="3200"/>
-          </a:p>
-          <a:p>
-            <a:pPr lvl="0" marL="0" indent="0">
+            <a:pPr marL="0" lvl="0" indent="0">
               <a:buSzTx/>
               <a:buNone/>
               <a:defRPr sz="1800"/>
             </a:pPr>
             <a:r>
-              <a:rPr b="1" i="1" sz="3200"/>
+              <a:rPr sz="3200" b="1" i="1"/>
               <a:t>Hint</a:t>
             </a:r>
             <a:r>
               <a:rPr sz="3200"/>
               <a:t> </a:t>
             </a:r>
-            <a:endParaRPr sz="3200"/>
-          </a:p>
-          <a:p>
-            <a:pPr lvl="1" marL="1532779" indent="-1075579">
+          </a:p>
+          <a:p>
+            <a:pPr marL="1532779" lvl="1" indent="-1075579">
               <a:spcBef>
                 <a:spcPts val="600"/>
               </a:spcBef>
@@ -2508,12 +2741,12 @@
   <p:clrMapOvr>
     <a:masterClrMapping/>
   </p:clrMapOvr>
-  <p:transition spd="med" advClick="1"/>
+  <p:transition xmlns:p14="http://schemas.microsoft.com/office/powerpoint/2010/main" spd="med"/>
 </p:sld>
 </file>
 
-<file path=ppt/slides/slide11.xml><?xml version="1.0" encoding="utf-8"?>
-<p:sld xmlns:a="http://schemas.openxmlformats.org/drawingml/2006/main" xmlns:r="http://schemas.openxmlformats.org/officeDocument/2006/relationships" xmlns:p="http://schemas.openxmlformats.org/presentationml/2006/main" showMasterSp="1" showMasterPhAnim="1">
+<file path=ppt/slides/slide12.xml><?xml version="1.0" encoding="utf-8"?>
+<p:sld xmlns:a="http://schemas.openxmlformats.org/drawingml/2006/main" xmlns:r="http://schemas.openxmlformats.org/officeDocument/2006/relationships" xmlns:p="http://schemas.openxmlformats.org/presentationml/2006/main">
   <p:cSld>
     <p:spTree>
       <p:nvGrpSpPr>
@@ -2532,7 +2765,9 @@
       <p:sp>
         <p:nvSpPr>
           <p:cNvPr id="80" name="Shape 80"/>
-          <p:cNvSpPr/>
+          <p:cNvSpPr>
+            <a:spLocks noGrp="1"/>
+          </p:cNvSpPr>
           <p:nvPr>
             <p:ph type="title"/>
           </p:nvPr>
@@ -2563,7 +2798,9 @@
       <p:sp>
         <p:nvSpPr>
           <p:cNvPr id="81" name="Shape 81"/>
-          <p:cNvSpPr/>
+          <p:cNvSpPr>
+            <a:spLocks noGrp="1"/>
+          </p:cNvSpPr>
           <p:nvPr>
             <p:ph type="body" idx="1"/>
           </p:nvPr>
@@ -2581,23 +2818,22 @@
           <a:bodyPr/>
           <a:lstStyle/>
           <a:p>
-            <a:pPr lvl="0" marL="1926636" indent="-1926636">
+            <a:pPr marL="1926636" lvl="0" indent="-1926636">
               <a:defRPr sz="1800"/>
             </a:pPr>
             <a:r>
               <a:rPr sz="3200"/>
               <a:t>Step1/README.md</a:t>
             </a:r>
+          </a:p>
+          <a:p>
+            <a:pPr lvl="0">
+              <a:defRPr sz="1800"/>
+            </a:pPr>
             <a:endParaRPr sz="3200"/>
           </a:p>
           <a:p>
-            <a:pPr lvl="0">
-              <a:defRPr sz="1800"/>
-            </a:pPr>
-            <a:endParaRPr sz="3200"/>
-          </a:p>
-          <a:p>
-            <a:pPr lvl="0" marL="1926636" indent="-1926636">
+            <a:pPr marL="1926636" lvl="0" indent="-1926636">
               <a:defRPr sz="1800"/>
             </a:pPr>
             <a:r>
@@ -2612,12 +2848,12 @@
   <p:clrMapOvr>
     <a:masterClrMapping/>
   </p:clrMapOvr>
-  <p:transition spd="med" advClick="1"/>
+  <p:transition xmlns:p14="http://schemas.microsoft.com/office/powerpoint/2010/main" spd="med"/>
 </p:sld>
 </file>
 
-<file path=ppt/slides/slide12.xml><?xml version="1.0" encoding="utf-8"?>
-<p:sld xmlns:a="http://schemas.openxmlformats.org/drawingml/2006/main" xmlns:r="http://schemas.openxmlformats.org/officeDocument/2006/relationships" xmlns:p="http://schemas.openxmlformats.org/presentationml/2006/main" showMasterSp="1" showMasterPhAnim="1">
+<file path=ppt/slides/slide13.xml><?xml version="1.0" encoding="utf-8"?>
+<p:sld xmlns:a="http://schemas.openxmlformats.org/drawingml/2006/main" xmlns:r="http://schemas.openxmlformats.org/officeDocument/2006/relationships" xmlns:p="http://schemas.openxmlformats.org/presentationml/2006/main">
   <p:cSld>
     <p:spTree>
       <p:nvGrpSpPr>
@@ -2636,7 +2872,9 @@
       <p:sp>
         <p:nvSpPr>
           <p:cNvPr id="83" name="Shape 83"/>
-          <p:cNvSpPr/>
+          <p:cNvSpPr>
+            <a:spLocks noGrp="1"/>
+          </p:cNvSpPr>
           <p:nvPr>
             <p:ph type="title"/>
           </p:nvPr>
@@ -2667,7 +2905,9 @@
       <p:sp>
         <p:nvSpPr>
           <p:cNvPr id="84" name="Shape 84"/>
-          <p:cNvSpPr/>
+          <p:cNvSpPr>
+            <a:spLocks noGrp="1"/>
+          </p:cNvSpPr>
           <p:nvPr>
             <p:ph type="body" idx="1"/>
           </p:nvPr>
@@ -2685,23 +2925,22 @@
           <a:bodyPr/>
           <a:lstStyle/>
           <a:p>
-            <a:pPr lvl="0" marL="1926636" indent="-1926636">
+            <a:pPr marL="1926636" lvl="0" indent="-1926636">
               <a:defRPr sz="1800"/>
             </a:pPr>
             <a:r>
               <a:rPr sz="3200"/>
               <a:t>Step2/README.md</a:t>
             </a:r>
+          </a:p>
+          <a:p>
+            <a:pPr lvl="0">
+              <a:defRPr sz="1800"/>
+            </a:pPr>
             <a:endParaRPr sz="3200"/>
           </a:p>
           <a:p>
-            <a:pPr lvl="0">
-              <a:defRPr sz="1800"/>
-            </a:pPr>
-            <a:endParaRPr sz="3200"/>
-          </a:p>
-          <a:p>
-            <a:pPr lvl="0" marL="1926636" indent="-1926636">
+            <a:pPr marL="1926636" lvl="0" indent="-1926636">
               <a:defRPr sz="1800"/>
             </a:pPr>
             <a:r>
@@ -2716,12 +2955,12 @@
   <p:clrMapOvr>
     <a:masterClrMapping/>
   </p:clrMapOvr>
-  <p:transition spd="med" advClick="1"/>
+  <p:transition xmlns:p14="http://schemas.microsoft.com/office/powerpoint/2010/main" spd="med"/>
 </p:sld>
 </file>
 
-<file path=ppt/slides/slide13.xml><?xml version="1.0" encoding="utf-8"?>
-<p:sld xmlns:a="http://schemas.openxmlformats.org/drawingml/2006/main" xmlns:r="http://schemas.openxmlformats.org/officeDocument/2006/relationships" xmlns:p="http://schemas.openxmlformats.org/presentationml/2006/main" showMasterSp="1" showMasterPhAnim="1">
+<file path=ppt/slides/slide14.xml><?xml version="1.0" encoding="utf-8"?>
+<p:sld xmlns:a="http://schemas.openxmlformats.org/drawingml/2006/main" xmlns:r="http://schemas.openxmlformats.org/officeDocument/2006/relationships" xmlns:p="http://schemas.openxmlformats.org/presentationml/2006/main">
   <p:cSld>
     <p:spTree>
       <p:nvGrpSpPr>
@@ -2740,7 +2979,9 @@
       <p:sp>
         <p:nvSpPr>
           <p:cNvPr id="86" name="Shape 86"/>
-          <p:cNvSpPr/>
+          <p:cNvSpPr>
+            <a:spLocks noGrp="1"/>
+          </p:cNvSpPr>
           <p:nvPr>
             <p:ph type="title"/>
           </p:nvPr>
@@ -2771,7 +3012,9 @@
       <p:sp>
         <p:nvSpPr>
           <p:cNvPr id="87" name="Shape 87"/>
-          <p:cNvSpPr/>
+          <p:cNvSpPr>
+            <a:spLocks noGrp="1"/>
+          </p:cNvSpPr>
           <p:nvPr>
             <p:ph type="body" idx="1"/>
           </p:nvPr>
@@ -2789,23 +3032,22 @@
           <a:bodyPr/>
           <a:lstStyle/>
           <a:p>
-            <a:pPr lvl="0" marL="1926636" indent="-1926636">
+            <a:pPr marL="1926636" lvl="0" indent="-1926636">
               <a:defRPr sz="1800"/>
             </a:pPr>
             <a:r>
               <a:rPr sz="3200"/>
               <a:t>Step3/README.md</a:t>
             </a:r>
+          </a:p>
+          <a:p>
+            <a:pPr lvl="0">
+              <a:defRPr sz="1800"/>
+            </a:pPr>
             <a:endParaRPr sz="3200"/>
           </a:p>
           <a:p>
-            <a:pPr lvl="0">
-              <a:defRPr sz="1800"/>
-            </a:pPr>
-            <a:endParaRPr sz="3200"/>
-          </a:p>
-          <a:p>
-            <a:pPr lvl="0" marL="1926636" indent="-1926636">
+            <a:pPr marL="1926636" lvl="0" indent="-1926636">
               <a:defRPr sz="1800"/>
             </a:pPr>
             <a:r>
@@ -2820,12 +3062,12 @@
   <p:clrMapOvr>
     <a:masterClrMapping/>
   </p:clrMapOvr>
-  <p:transition spd="med" advClick="1"/>
+  <p:transition xmlns:p14="http://schemas.microsoft.com/office/powerpoint/2010/main" spd="med"/>
 </p:sld>
 </file>
 
-<file path=ppt/slides/slide14.xml><?xml version="1.0" encoding="utf-8"?>
-<p:sld xmlns:a="http://schemas.openxmlformats.org/drawingml/2006/main" xmlns:r="http://schemas.openxmlformats.org/officeDocument/2006/relationships" xmlns:p="http://schemas.openxmlformats.org/presentationml/2006/main" showMasterSp="1" showMasterPhAnim="1">
+<file path=ppt/slides/slide15.xml><?xml version="1.0" encoding="utf-8"?>
+<p:sld xmlns:a="http://schemas.openxmlformats.org/drawingml/2006/main" xmlns:r="http://schemas.openxmlformats.org/officeDocument/2006/relationships" xmlns:p="http://schemas.openxmlformats.org/presentationml/2006/main">
   <p:cSld>
     <p:spTree>
       <p:nvGrpSpPr>
@@ -2844,7 +3086,9 @@
       <p:sp>
         <p:nvSpPr>
           <p:cNvPr id="89" name="Shape 89"/>
-          <p:cNvSpPr/>
+          <p:cNvSpPr>
+            <a:spLocks noGrp="1"/>
+          </p:cNvSpPr>
           <p:nvPr>
             <p:ph type="title"/>
           </p:nvPr>
@@ -2879,7 +3123,9 @@
       <p:sp>
         <p:nvSpPr>
           <p:cNvPr id="90" name="Shape 90"/>
-          <p:cNvSpPr/>
+          <p:cNvSpPr>
+            <a:spLocks noGrp="1"/>
+          </p:cNvSpPr>
           <p:nvPr>
             <p:ph type="body" idx="1"/>
           </p:nvPr>
@@ -2897,23 +3143,22 @@
           <a:bodyPr/>
           <a:lstStyle/>
           <a:p>
-            <a:pPr lvl="0" marL="1926636" indent="-1926636">
+            <a:pPr marL="1926636" lvl="0" indent="-1926636">
               <a:defRPr sz="1800"/>
             </a:pPr>
             <a:r>
               <a:rPr sz="3200"/>
               <a:t>Step4/README.md</a:t>
             </a:r>
+          </a:p>
+          <a:p>
+            <a:pPr lvl="0">
+              <a:defRPr sz="1800"/>
+            </a:pPr>
             <a:endParaRPr sz="3200"/>
           </a:p>
           <a:p>
-            <a:pPr lvl="0">
-              <a:defRPr sz="1800"/>
-            </a:pPr>
-            <a:endParaRPr sz="3200"/>
-          </a:p>
-          <a:p>
-            <a:pPr lvl="0" marL="1926636" indent="-1926636">
+            <a:pPr marL="1926636" lvl="0" indent="-1926636">
               <a:defRPr sz="1800"/>
             </a:pPr>
             <a:r>
@@ -2928,12 +3173,12 @@
   <p:clrMapOvr>
     <a:masterClrMapping/>
   </p:clrMapOvr>
-  <p:transition spd="med" advClick="1"/>
+  <p:transition xmlns:p14="http://schemas.microsoft.com/office/powerpoint/2010/main" spd="med"/>
 </p:sld>
 </file>
 
-<file path=ppt/slides/slide15.xml><?xml version="1.0" encoding="utf-8"?>
-<p:sld xmlns:a="http://schemas.openxmlformats.org/drawingml/2006/main" xmlns:r="http://schemas.openxmlformats.org/officeDocument/2006/relationships" xmlns:p="http://schemas.openxmlformats.org/presentationml/2006/main" showMasterSp="1" showMasterPhAnim="1">
+<file path=ppt/slides/slide16.xml><?xml version="1.0" encoding="utf-8"?>
+<p:sld xmlns:a="http://schemas.openxmlformats.org/drawingml/2006/main" xmlns:r="http://schemas.openxmlformats.org/officeDocument/2006/relationships" xmlns:p="http://schemas.openxmlformats.org/presentationml/2006/main">
   <p:cSld>
     <p:spTree>
       <p:nvGrpSpPr>
@@ -2952,7 +3197,9 @@
       <p:sp>
         <p:nvSpPr>
           <p:cNvPr id="92" name="Shape 92"/>
-          <p:cNvSpPr/>
+          <p:cNvSpPr>
+            <a:spLocks noGrp="1"/>
+          </p:cNvSpPr>
           <p:nvPr>
             <p:ph type="title"/>
           </p:nvPr>
@@ -2983,7 +3230,9 @@
       <p:sp>
         <p:nvSpPr>
           <p:cNvPr id="93" name="Shape 93"/>
-          <p:cNvSpPr/>
+          <p:cNvSpPr>
+            <a:spLocks noGrp="1"/>
+          </p:cNvSpPr>
           <p:nvPr>
             <p:ph type="body" idx="1"/>
           </p:nvPr>
@@ -3001,17 +3250,16 @@
           <a:bodyPr/>
           <a:lstStyle/>
           <a:p>
-            <a:pPr lvl="0" marL="1926636" indent="-1926636">
+            <a:pPr marL="1926636" lvl="0" indent="-1926636">
               <a:defRPr sz="1800"/>
             </a:pPr>
             <a:r>
               <a:rPr sz="3200"/>
               <a:t>Step5/README.md</a:t>
             </a:r>
-            <a:endParaRPr sz="3200"/>
-          </a:p>
-          <a:p>
-            <a:pPr lvl="1" marL="742950" indent="-285750">
+          </a:p>
+          <a:p>
+            <a:pPr marL="742950" lvl="1" indent="-285750">
               <a:spcBef>
                 <a:spcPts val="600"/>
               </a:spcBef>
@@ -3020,7 +3268,7 @@
             <a:endParaRPr sz="2800"/>
           </a:p>
           <a:p>
-            <a:pPr lvl="0" marL="1926636" indent="-1926636">
+            <a:pPr marL="1926636" lvl="0" indent="-1926636">
               <a:defRPr sz="1800"/>
             </a:pPr>
             <a:r>
@@ -3035,12 +3283,12 @@
   <p:clrMapOvr>
     <a:masterClrMapping/>
   </p:clrMapOvr>
-  <p:transition spd="med" advClick="1"/>
+  <p:transition xmlns:p14="http://schemas.microsoft.com/office/powerpoint/2010/main" spd="med"/>
 </p:sld>
 </file>
 
-<file path=ppt/slides/slide16.xml><?xml version="1.0" encoding="utf-8"?>
-<p:sld xmlns:a="http://schemas.openxmlformats.org/drawingml/2006/main" xmlns:r="http://schemas.openxmlformats.org/officeDocument/2006/relationships" xmlns:p="http://schemas.openxmlformats.org/presentationml/2006/main" showMasterSp="1" showMasterPhAnim="1">
+<file path=ppt/slides/slide17.xml><?xml version="1.0" encoding="utf-8"?>
+<p:sld xmlns:a="http://schemas.openxmlformats.org/drawingml/2006/main" xmlns:r="http://schemas.openxmlformats.org/officeDocument/2006/relationships" xmlns:p="http://schemas.openxmlformats.org/presentationml/2006/main">
   <p:cSld>
     <p:spTree>
       <p:nvGrpSpPr>
@@ -3059,7 +3307,9 @@
       <p:sp>
         <p:nvSpPr>
           <p:cNvPr id="95" name="Shape 95"/>
-          <p:cNvSpPr/>
+          <p:cNvSpPr>
+            <a:spLocks noGrp="1"/>
+          </p:cNvSpPr>
           <p:nvPr>
             <p:ph type="title"/>
           </p:nvPr>
@@ -3094,7 +3344,9 @@
       <p:sp>
         <p:nvSpPr>
           <p:cNvPr id="96" name="Shape 96"/>
-          <p:cNvSpPr/>
+          <p:cNvSpPr>
+            <a:spLocks noGrp="1"/>
+          </p:cNvSpPr>
           <p:nvPr>
             <p:ph type="body" idx="1"/>
           </p:nvPr>
@@ -3112,23 +3364,22 @@
           <a:bodyPr/>
           <a:lstStyle/>
           <a:p>
-            <a:pPr lvl="0" marL="1926636" indent="-1926636">
+            <a:pPr marL="1926636" lvl="0" indent="-1926636">
               <a:defRPr sz="1800"/>
             </a:pPr>
             <a:r>
               <a:rPr sz="3200"/>
               <a:t>Step6/README.md</a:t>
             </a:r>
+          </a:p>
+          <a:p>
+            <a:pPr lvl="0">
+              <a:defRPr sz="1800"/>
+            </a:pPr>
             <a:endParaRPr sz="3200"/>
           </a:p>
           <a:p>
-            <a:pPr lvl="0">
-              <a:defRPr sz="1800"/>
-            </a:pPr>
-            <a:endParaRPr sz="3200"/>
-          </a:p>
-          <a:p>
-            <a:pPr lvl="0" marL="1926636" indent="-1926636">
+            <a:pPr marL="1926636" lvl="0" indent="-1926636">
               <a:defRPr sz="1800"/>
             </a:pPr>
             <a:r>
@@ -3143,12 +3394,12 @@
   <p:clrMapOvr>
     <a:masterClrMapping/>
   </p:clrMapOvr>
-  <p:transition spd="med" advClick="1"/>
+  <p:transition xmlns:p14="http://schemas.microsoft.com/office/powerpoint/2010/main" spd="med"/>
 </p:sld>
 </file>
 
-<file path=ppt/slides/slide17.xml><?xml version="1.0" encoding="utf-8"?>
-<p:sld xmlns:a="http://schemas.openxmlformats.org/drawingml/2006/main" xmlns:r="http://schemas.openxmlformats.org/officeDocument/2006/relationships" xmlns:p="http://schemas.openxmlformats.org/presentationml/2006/main" showMasterSp="1" showMasterPhAnim="1">
+<file path=ppt/slides/slide18.xml><?xml version="1.0" encoding="utf-8"?>
+<p:sld xmlns:a="http://schemas.openxmlformats.org/drawingml/2006/main" xmlns:r="http://schemas.openxmlformats.org/officeDocument/2006/relationships" xmlns:p="http://schemas.openxmlformats.org/presentationml/2006/main">
   <p:cSld>
     <p:spTree>
       <p:nvGrpSpPr>
@@ -3167,7 +3418,9 @@
       <p:sp>
         <p:nvSpPr>
           <p:cNvPr id="98" name="Shape 98"/>
-          <p:cNvSpPr/>
+          <p:cNvSpPr>
+            <a:spLocks noGrp="1"/>
+          </p:cNvSpPr>
           <p:nvPr>
             <p:ph type="title"/>
           </p:nvPr>
@@ -3198,7 +3451,9 @@
       <p:sp>
         <p:nvSpPr>
           <p:cNvPr id="99" name="Shape 99"/>
-          <p:cNvSpPr/>
+          <p:cNvSpPr>
+            <a:spLocks noGrp="1"/>
+          </p:cNvSpPr>
           <p:nvPr>
             <p:ph type="body" idx="1"/>
           </p:nvPr>
@@ -3213,26 +3468,27 @@
           </a:prstGeom>
         </p:spPr>
         <p:txBody>
-          <a:bodyPr/>
+          <a:bodyPr>
+            <a:normAutofit lnSpcReduction="10000"/>
+          </a:bodyPr>
           <a:lstStyle/>
           <a:p>
-            <a:pPr lvl="0" marL="1926636" indent="-1926636">
+            <a:pPr marL="1926636" lvl="0" indent="-1926636">
               <a:defRPr sz="1800"/>
             </a:pPr>
             <a:r>
               <a:rPr sz="3200"/>
               <a:t>Step7/README.md</a:t>
             </a:r>
+          </a:p>
+          <a:p>
+            <a:pPr lvl="0">
+              <a:defRPr sz="1800"/>
+            </a:pPr>
             <a:endParaRPr sz="3200"/>
           </a:p>
           <a:p>
-            <a:pPr lvl="0">
-              <a:defRPr sz="1800"/>
-            </a:pPr>
-            <a:endParaRPr sz="3200"/>
-          </a:p>
-          <a:p>
-            <a:pPr lvl="0" marL="1926636" indent="-1926636">
+            <a:pPr marL="1926636" lvl="0" indent="-1926636">
               <a:defRPr sz="1800"/>
             </a:pPr>
             <a:r>
@@ -3247,12 +3503,12 @@
   <p:clrMapOvr>
     <a:masterClrMapping/>
   </p:clrMapOvr>
-  <p:transition spd="med" advClick="1"/>
+  <p:transition xmlns:p14="http://schemas.microsoft.com/office/powerpoint/2010/main" spd="med"/>
 </p:sld>
 </file>
 
-<file path=ppt/slides/slide18.xml><?xml version="1.0" encoding="utf-8"?>
-<p:sld xmlns:a="http://schemas.openxmlformats.org/drawingml/2006/main" xmlns:r="http://schemas.openxmlformats.org/officeDocument/2006/relationships" xmlns:p="http://schemas.openxmlformats.org/presentationml/2006/main" showMasterSp="1" showMasterPhAnim="1">
+<file path=ppt/slides/slide19.xml><?xml version="1.0" encoding="utf-8"?>
+<p:sld xmlns:a="http://schemas.openxmlformats.org/drawingml/2006/main" xmlns:r="http://schemas.openxmlformats.org/officeDocument/2006/relationships" xmlns:p="http://schemas.openxmlformats.org/presentationml/2006/main">
   <p:cSld>
     <p:spTree>
       <p:nvGrpSpPr>
@@ -3271,7 +3527,9 @@
       <p:sp>
         <p:nvSpPr>
           <p:cNvPr id="101" name="Shape 101"/>
-          <p:cNvSpPr/>
+          <p:cNvSpPr>
+            <a:spLocks noGrp="1"/>
+          </p:cNvSpPr>
           <p:nvPr>
             <p:ph type="title"/>
           </p:nvPr>
@@ -3302,7 +3560,9 @@
       <p:sp>
         <p:nvSpPr>
           <p:cNvPr id="102" name="Shape 102"/>
-          <p:cNvSpPr/>
+          <p:cNvSpPr>
+            <a:spLocks noGrp="1"/>
+          </p:cNvSpPr>
           <p:nvPr>
             <p:ph type="body" idx="1"/>
           </p:nvPr>
@@ -3320,53 +3580,49 @@
           <a:bodyPr/>
           <a:lstStyle/>
           <a:p>
-            <a:pPr lvl="0" marL="1926636" indent="-1926636">
+            <a:pPr marL="1926636" lvl="0" indent="-1926636">
               <a:defRPr sz="1800"/>
             </a:pPr>
             <a:r>
               <a:rPr sz="3200"/>
               <a:t>Close your laptop</a:t>
             </a:r>
-            <a:endParaRPr sz="3200"/>
-          </a:p>
-          <a:p>
-            <a:pPr lvl="0" marL="1926636" indent="-1926636">
+          </a:p>
+          <a:p>
+            <a:pPr marL="1926636" lvl="0" indent="-1926636">
               <a:defRPr sz="1800"/>
             </a:pPr>
             <a:r>
               <a:rPr sz="3200"/>
               <a:t>Make your way to the bar</a:t>
             </a:r>
-            <a:endParaRPr sz="3200"/>
-          </a:p>
-          <a:p>
-            <a:pPr lvl="0" marL="1926636" indent="-1926636">
+          </a:p>
+          <a:p>
+            <a:pPr marL="1926636" lvl="0" indent="-1926636">
               <a:defRPr sz="1800"/>
             </a:pPr>
             <a:r>
               <a:rPr sz="3200"/>
               <a:t>Order a beer or a coke</a:t>
             </a:r>
-            <a:endParaRPr sz="3200"/>
-          </a:p>
-          <a:p>
-            <a:pPr lvl="0" marL="1926636" indent="-1926636">
+          </a:p>
+          <a:p>
+            <a:pPr marL="1926636" lvl="0" indent="-1926636">
               <a:defRPr sz="1800"/>
             </a:pPr>
             <a:r>
               <a:rPr sz="3200"/>
               <a:t>Repeat…</a:t>
             </a:r>
+          </a:p>
+          <a:p>
+            <a:pPr lvl="0">
+              <a:defRPr sz="1800"/>
+            </a:pPr>
             <a:endParaRPr sz="3200"/>
           </a:p>
           <a:p>
-            <a:pPr lvl="0">
-              <a:defRPr sz="1800"/>
-            </a:pPr>
-            <a:endParaRPr sz="3200"/>
-          </a:p>
-          <a:p>
-            <a:pPr lvl="0" marL="0" indent="0" algn="ctr">
+            <a:pPr marL="0" lvl="0" indent="0" algn="ctr">
               <a:buSzTx/>
               <a:buNone/>
               <a:defRPr sz="1800"/>
@@ -3383,12 +3639,12 @@
   <p:clrMapOvr>
     <a:masterClrMapping/>
   </p:clrMapOvr>
-  <p:transition spd="med" advClick="1"/>
+  <p:transition xmlns:p14="http://schemas.microsoft.com/office/powerpoint/2010/main" spd="med"/>
 </p:sld>
 </file>
 
 <file path=ppt/slides/slide2.xml><?xml version="1.0" encoding="utf-8"?>
-<p:sld xmlns:a="http://schemas.openxmlformats.org/drawingml/2006/main" xmlns:r="http://schemas.openxmlformats.org/officeDocument/2006/relationships" xmlns:p="http://schemas.openxmlformats.org/presentationml/2006/main" showMasterSp="1" showMasterPhAnim="1">
+<p:sld xmlns:a="http://schemas.openxmlformats.org/drawingml/2006/main" xmlns:r="http://schemas.openxmlformats.org/officeDocument/2006/relationships" xmlns:p="http://schemas.openxmlformats.org/presentationml/2006/main">
   <p:cSld>
     <p:spTree>
       <p:nvGrpSpPr>
@@ -3407,7 +3663,9 @@
       <p:sp>
         <p:nvSpPr>
           <p:cNvPr id="53" name="Shape 53"/>
-          <p:cNvSpPr/>
+          <p:cNvSpPr>
+            <a:spLocks noGrp="1"/>
+          </p:cNvSpPr>
           <p:nvPr>
             <p:ph type="title"/>
           </p:nvPr>
@@ -3438,7 +3696,9 @@
       <p:sp>
         <p:nvSpPr>
           <p:cNvPr id="54" name="Shape 54"/>
-          <p:cNvSpPr/>
+          <p:cNvSpPr>
+            <a:spLocks noGrp="1"/>
+          </p:cNvSpPr>
           <p:nvPr>
             <p:ph type="body" idx="1"/>
           </p:nvPr>
@@ -3456,7 +3716,7 @@
           <a:bodyPr/>
           <a:lstStyle/>
           <a:p>
-            <a:pPr lvl="0" marL="1433982" indent="-1433982">
+            <a:pPr marL="1433982" lvl="0" indent="-1433982">
               <a:spcBef>
                 <a:spcPts val="600"/>
               </a:spcBef>
@@ -3469,7 +3729,7 @@
             <a:endParaRPr sz="2500"/>
           </a:p>
           <a:p>
-            <a:pPr lvl="1" marL="0" indent="457200">
+            <a:pPr marL="0" lvl="1" indent="457200">
               <a:spcBef>
                 <a:spcPts val="600"/>
               </a:spcBef>
@@ -3480,7 +3740,7 @@
             <a:endParaRPr sz="2500"/>
           </a:p>
           <a:p>
-            <a:pPr lvl="0" marL="1433982" indent="-1433982">
+            <a:pPr marL="1433982" lvl="0" indent="-1433982">
               <a:spcBef>
                 <a:spcPts val="600"/>
               </a:spcBef>
@@ -3490,10 +3750,9 @@
               <a:rPr sz="2900"/>
               <a:t>Small, focused, decoupled components</a:t>
             </a:r>
-            <a:endParaRPr sz="2900"/>
-          </a:p>
-          <a:p>
-            <a:pPr lvl="0" marL="0" indent="0">
+          </a:p>
+          <a:p>
+            <a:pPr marL="0" lvl="0" indent="0">
               <a:spcBef>
                 <a:spcPts val="600"/>
               </a:spcBef>
@@ -3504,7 +3763,7 @@
             <a:endParaRPr sz="2900"/>
           </a:p>
           <a:p>
-            <a:pPr lvl="0" marL="1433982" indent="-1433982">
+            <a:pPr marL="1433982" lvl="0" indent="-1433982">
               <a:spcBef>
                 <a:spcPts val="600"/>
               </a:spcBef>
@@ -3514,7 +3773,6 @@
               <a:rPr sz="2900"/>
               <a:t>Independently deployable</a:t>
             </a:r>
-            <a:endParaRPr sz="2900"/>
           </a:p>
           <a:p>
             <a:pPr lvl="0">
@@ -3526,7 +3784,7 @@
             <a:endParaRPr sz="2900"/>
           </a:p>
           <a:p>
-            <a:pPr lvl="0" marL="1433982" indent="-1433982">
+            <a:pPr marL="1433982" lvl="0" indent="-1433982">
               <a:spcBef>
                 <a:spcPts val="600"/>
               </a:spcBef>
@@ -3544,12 +3802,12 @@
   <p:clrMapOvr>
     <a:masterClrMapping/>
   </p:clrMapOvr>
-  <p:transition spd="med" advClick="1"/>
+  <p:transition xmlns:p14="http://schemas.microsoft.com/office/powerpoint/2010/main" spd="med"/>
 </p:sld>
 </file>
 
 <file path=ppt/slides/slide3.xml><?xml version="1.0" encoding="utf-8"?>
-<p:sld xmlns:a="http://schemas.openxmlformats.org/drawingml/2006/main" xmlns:r="http://schemas.openxmlformats.org/officeDocument/2006/relationships" xmlns:p="http://schemas.openxmlformats.org/presentationml/2006/main" showMasterSp="1" showMasterPhAnim="1">
+<p:sld xmlns:a="http://schemas.openxmlformats.org/drawingml/2006/main" xmlns:r="http://schemas.openxmlformats.org/officeDocument/2006/relationships" xmlns:p="http://schemas.openxmlformats.org/presentationml/2006/main">
   <p:cSld>
     <p:spTree>
       <p:nvGrpSpPr>
@@ -3568,7 +3826,9 @@
       <p:sp>
         <p:nvSpPr>
           <p:cNvPr id="56" name="Shape 56"/>
-          <p:cNvSpPr/>
+          <p:cNvSpPr>
+            <a:spLocks noGrp="1"/>
+          </p:cNvSpPr>
           <p:nvPr>
             <p:ph type="title"/>
           </p:nvPr>
@@ -3599,7 +3859,9 @@
       <p:sp>
         <p:nvSpPr>
           <p:cNvPr id="57" name="Shape 57"/>
-          <p:cNvSpPr/>
+          <p:cNvSpPr>
+            <a:spLocks noGrp="1"/>
+          </p:cNvSpPr>
           <p:nvPr>
             <p:ph type="body" idx="1"/>
           </p:nvPr>
@@ -3617,7 +3879,7 @@
           <a:bodyPr/>
           <a:lstStyle/>
           <a:p>
-            <a:pPr lvl="0" marL="1157287" indent="-1157287">
+            <a:pPr marL="1157287" lvl="0" indent="-1157287">
               <a:lnSpc>
                 <a:spcPct val="80000"/>
               </a:lnSpc>
@@ -3630,10 +3892,9 @@
               <a:rPr sz="2700"/>
               <a:t>Accelerated development</a:t>
             </a:r>
-            <a:endParaRPr sz="2700"/>
-          </a:p>
-          <a:p>
-            <a:pPr lvl="1" marL="1053344" indent="-596144">
+          </a:p>
+          <a:p>
+            <a:pPr marL="1053344" lvl="1" indent="-596144">
               <a:lnSpc>
                 <a:spcPct val="80000"/>
               </a:lnSpc>
@@ -3646,10 +3907,9 @@
               <a:rPr sz="2300"/>
               <a:t>Small components – easily grokked</a:t>
             </a:r>
-            <a:endParaRPr sz="2300"/>
-          </a:p>
-          <a:p>
-            <a:pPr lvl="1" marL="1053344" indent="-596144">
+          </a:p>
+          <a:p>
+            <a:pPr marL="1053344" lvl="1" indent="-596144">
               <a:lnSpc>
                 <a:spcPct val="80000"/>
               </a:lnSpc>
@@ -3662,10 +3922,9 @@
               <a:rPr sz="2300"/>
               <a:t>Independently deployable</a:t>
             </a:r>
-            <a:endParaRPr sz="2300"/>
-          </a:p>
-          <a:p>
-            <a:pPr lvl="1" marL="1053344" indent="-596144">
+          </a:p>
+          <a:p>
+            <a:pPr marL="1053344" lvl="1" indent="-596144">
               <a:lnSpc>
                 <a:spcPct val="80000"/>
               </a:lnSpc>
@@ -3678,10 +3937,9 @@
               <a:rPr sz="2300"/>
               <a:t>Easily replaceable</a:t>
             </a:r>
-            <a:endParaRPr sz="2300"/>
-          </a:p>
-          <a:p>
-            <a:pPr lvl="1" marL="742950" indent="-285750">
+          </a:p>
+          <a:p>
+            <a:pPr marL="742950" lvl="1" indent="-285750">
               <a:lnSpc>
                 <a:spcPct val="80000"/>
               </a:lnSpc>
@@ -3693,7 +3951,7 @@
             <a:endParaRPr sz="2300"/>
           </a:p>
           <a:p>
-            <a:pPr lvl="0" marL="1157287" indent="-1157287">
+            <a:pPr marL="1157287" lvl="0" indent="-1157287">
               <a:lnSpc>
                 <a:spcPct val="80000"/>
               </a:lnSpc>
@@ -3706,10 +3964,9 @@
               <a:rPr sz="2700"/>
               <a:t>Inherently scale-able</a:t>
             </a:r>
-            <a:endParaRPr sz="2700"/>
-          </a:p>
-          <a:p>
-            <a:pPr lvl="1" marL="1053344" indent="-596144">
+          </a:p>
+          <a:p>
+            <a:pPr marL="1053344" lvl="1" indent="-596144">
               <a:lnSpc>
                 <a:spcPct val="80000"/>
               </a:lnSpc>
@@ -3722,10 +3979,9 @@
               <a:rPr sz="2300"/>
               <a:t>Distributed by nature</a:t>
             </a:r>
-            <a:endParaRPr sz="2300"/>
-          </a:p>
-          <a:p>
-            <a:pPr lvl="1" marL="0" indent="457200">
+          </a:p>
+          <a:p>
+            <a:pPr marL="0" lvl="1" indent="457200">
               <a:lnSpc>
                 <a:spcPct val="80000"/>
               </a:lnSpc>
@@ -3739,7 +3995,7 @@
             <a:endParaRPr sz="2300"/>
           </a:p>
           <a:p>
-            <a:pPr lvl="0" marL="1157287" indent="-1157287">
+            <a:pPr marL="1157287" lvl="0" indent="-1157287">
               <a:lnSpc>
                 <a:spcPct val="80000"/>
               </a:lnSpc>
@@ -3752,10 +4008,9 @@
               <a:rPr sz="2700"/>
               <a:t>Optimised for delete</a:t>
             </a:r>
-            <a:endParaRPr sz="2700"/>
-          </a:p>
-          <a:p>
-            <a:pPr lvl="1" marL="1053344" indent="-596144">
+          </a:p>
+          <a:p>
+            <a:pPr marL="1053344" lvl="1" indent="-596144">
               <a:lnSpc>
                 <a:spcPct val="80000"/>
               </a:lnSpc>
@@ -3770,7 +4025,7 @@
             </a:r>
             <a:r>
               <a:rPr sz="2300">
-                <a:hlinkClick r:id="rId2" invalidUrl="" action="" tgtFrame="" tooltip="" history="1" highlightClick="0" endSnd="0"/>
+                <a:hlinkClick r:id="rId2"/>
               </a:rPr>
               <a:t>https://vimeo.com/108441214</a:t>
             </a:r>
@@ -3782,12 +4037,12 @@
   <p:clrMapOvr>
     <a:masterClrMapping/>
   </p:clrMapOvr>
-  <p:transition spd="med" advClick="1"/>
+  <p:transition xmlns:p14="http://schemas.microsoft.com/office/powerpoint/2010/main" spd="med"/>
 </p:sld>
 </file>
 
 <file path=ppt/slides/slide4.xml><?xml version="1.0" encoding="utf-8"?>
-<p:sld xmlns:a="http://schemas.openxmlformats.org/drawingml/2006/main" xmlns:r="http://schemas.openxmlformats.org/officeDocument/2006/relationships" xmlns:p="http://schemas.openxmlformats.org/presentationml/2006/main" showMasterSp="1" showMasterPhAnim="1">
+<p:sld xmlns:a="http://schemas.openxmlformats.org/drawingml/2006/main" xmlns:r="http://schemas.openxmlformats.org/officeDocument/2006/relationships" xmlns:p="http://schemas.openxmlformats.org/presentationml/2006/main">
   <p:cSld>
     <p:spTree>
       <p:nvGrpSpPr>
@@ -3806,7 +4061,9 @@
       <p:sp>
         <p:nvSpPr>
           <p:cNvPr id="59" name="Shape 59"/>
-          <p:cNvSpPr/>
+          <p:cNvSpPr>
+            <a:spLocks noGrp="1"/>
+          </p:cNvSpPr>
           <p:nvPr>
             <p:ph type="title"/>
           </p:nvPr>
@@ -3887,12 +4144,202 @@
   <p:clrMapOvr>
     <a:masterClrMapping/>
   </p:clrMapOvr>
-  <p:transition spd="med" advClick="1"/>
+  <p:transition xmlns:p14="http://schemas.microsoft.com/office/powerpoint/2010/main" spd="med"/>
 </p:sld>
 </file>
 
 <file path=ppt/slides/slide5.xml><?xml version="1.0" encoding="utf-8"?>
-<p:sld xmlns:a="http://schemas.openxmlformats.org/drawingml/2006/main" xmlns:r="http://schemas.openxmlformats.org/officeDocument/2006/relationships" xmlns:p="http://schemas.openxmlformats.org/presentationml/2006/main" showMasterSp="1" showMasterPhAnim="1">
+<p:sld xmlns:a="http://schemas.openxmlformats.org/drawingml/2006/main" xmlns:r="http://schemas.openxmlformats.org/officeDocument/2006/relationships" xmlns:p="http://schemas.openxmlformats.org/presentationml/2006/main">
+  <p:cSld>
+    <p:spTree>
+      <p:nvGrpSpPr>
+        <p:cNvPr id="1" name=""/>
+        <p:cNvGrpSpPr/>
+        <p:nvPr/>
+      </p:nvGrpSpPr>
+      <p:grpSpPr>
+        <a:xfrm>
+          <a:off x="0" y="0"/>
+          <a:ext cx="0" cy="0"/>
+          <a:chOff x="0" y="0"/>
+          <a:chExt cx="0" cy="0"/>
+        </a:xfrm>
+      </p:grpSpPr>
+      <p:sp>
+        <p:nvSpPr>
+          <p:cNvPr id="56" name="Shape 56"/>
+          <p:cNvSpPr>
+            <a:spLocks noGrp="1"/>
+          </p:cNvSpPr>
+          <p:nvPr>
+            <p:ph type="title"/>
+          </p:nvPr>
+        </p:nvSpPr>
+        <p:spPr>
+          <a:xfrm>
+            <a:off x="457200" y="274638"/>
+            <a:ext cx="8229600" cy="1143001"/>
+          </a:xfrm>
+          <a:prstGeom prst="rect">
+            <a:avLst/>
+          </a:prstGeom>
+        </p:spPr>
+        <p:txBody>
+          <a:bodyPr/>
+          <a:lstStyle/>
+          <a:p>
+            <a:pPr lvl="0">
+              <a:defRPr sz="1800"/>
+            </a:pPr>
+            <a:r>
+              <a:rPr lang="en-GB" sz="4400" dirty="0" smtClean="0"/>
+              <a:t>Prerequisites</a:t>
+            </a:r>
+            <a:endParaRPr sz="4400" dirty="0"/>
+          </a:p>
+        </p:txBody>
+      </p:sp>
+      <p:sp>
+        <p:nvSpPr>
+          <p:cNvPr id="57" name="Shape 57"/>
+          <p:cNvSpPr>
+            <a:spLocks noGrp="1"/>
+          </p:cNvSpPr>
+          <p:nvPr>
+            <p:ph type="body" idx="1"/>
+          </p:nvPr>
+        </p:nvSpPr>
+        <p:spPr>
+          <a:xfrm>
+            <a:off x="457200" y="1600200"/>
+            <a:ext cx="8229600" cy="4525963"/>
+          </a:xfrm>
+          <a:prstGeom prst="rect">
+            <a:avLst/>
+          </a:prstGeom>
+        </p:spPr>
+        <p:txBody>
+          <a:bodyPr/>
+          <a:lstStyle/>
+          <a:p>
+            <a:pPr>
+              <a:lnSpc>
+                <a:spcPct val="80000"/>
+              </a:lnSpc>
+              <a:spcBef>
+                <a:spcPts val="600"/>
+              </a:spcBef>
+              <a:defRPr sz="1800"/>
+            </a:pPr>
+            <a:r>
+              <a:rPr lang="en-GB" sz="2700" dirty="0" smtClean="0"/>
+              <a:t>Install node (assume you have this already!!)</a:t>
+            </a:r>
+          </a:p>
+          <a:p>
+            <a:pPr marL="0" indent="0">
+              <a:lnSpc>
+                <a:spcPct val="80000"/>
+              </a:lnSpc>
+              <a:spcBef>
+                <a:spcPts val="600"/>
+              </a:spcBef>
+              <a:buNone/>
+              <a:defRPr sz="1800"/>
+            </a:pPr>
+            <a:endParaRPr lang="en-GB" sz="2700" dirty="0" smtClean="0"/>
+          </a:p>
+          <a:p>
+            <a:pPr>
+              <a:lnSpc>
+                <a:spcPct val="80000"/>
+              </a:lnSpc>
+              <a:spcBef>
+                <a:spcPts val="600"/>
+              </a:spcBef>
+              <a:defRPr sz="1800"/>
+            </a:pPr>
+            <a:r>
+              <a:rPr lang="en-GB" sz="2700" dirty="0" smtClean="0"/>
+              <a:t>Install </a:t>
+            </a:r>
+            <a:r>
+              <a:rPr lang="en-GB" sz="2700" dirty="0" err="1" smtClean="0"/>
+              <a:t>docker</a:t>
+            </a:r>
+            <a:r>
+              <a:rPr lang="en-GB" sz="2700" dirty="0" smtClean="0"/>
+              <a:t>-machine</a:t>
+            </a:r>
+          </a:p>
+          <a:p>
+            <a:pPr lvl="1">
+              <a:lnSpc>
+                <a:spcPct val="80000"/>
+              </a:lnSpc>
+              <a:spcBef>
+                <a:spcPts val="600"/>
+              </a:spcBef>
+              <a:defRPr sz="1800"/>
+            </a:pPr>
+            <a:r>
+              <a:rPr lang="en-GB" sz="2700" dirty="0">
+                <a:hlinkClick r:id="rId2"/>
+              </a:rPr>
+              <a:t>https://docs.docker.com/machine</a:t>
+            </a:r>
+            <a:r>
+              <a:rPr lang="en-GB" sz="2700" dirty="0" smtClean="0">
+                <a:hlinkClick r:id="rId2"/>
+              </a:rPr>
+              <a:t>/</a:t>
+            </a:r>
+            <a:endParaRPr lang="en-GB" sz="2700" dirty="0"/>
+          </a:p>
+          <a:p>
+            <a:pPr marL="0" indent="0">
+              <a:lnSpc>
+                <a:spcPct val="80000"/>
+              </a:lnSpc>
+              <a:spcBef>
+                <a:spcPts val="600"/>
+              </a:spcBef>
+              <a:buNone/>
+              <a:defRPr sz="1800"/>
+            </a:pPr>
+            <a:endParaRPr lang="en-GB" sz="2700" dirty="0" smtClean="0"/>
+          </a:p>
+          <a:p>
+            <a:pPr marL="0" indent="0">
+              <a:lnSpc>
+                <a:spcPct val="80000"/>
+              </a:lnSpc>
+              <a:spcBef>
+                <a:spcPts val="600"/>
+              </a:spcBef>
+              <a:buNone/>
+              <a:defRPr sz="1800"/>
+            </a:pPr>
+            <a:endParaRPr lang="en-GB" sz="2700" dirty="0" smtClean="0"/>
+          </a:p>
+        </p:txBody>
+      </p:sp>
+    </p:spTree>
+    <p:extLst>
+      <p:ext uri="{BB962C8B-B14F-4D97-AF65-F5344CB8AC3E}">
+        <p14:creationId xmlns:p14="http://schemas.microsoft.com/office/powerpoint/2010/main" val="1774413696"/>
+      </p:ext>
+    </p:extLst>
+  </p:cSld>
+  <p:clrMapOvr>
+    <a:masterClrMapping/>
+  </p:clrMapOvr>
+  <p:transition xmlns:p14="http://schemas.microsoft.com/office/powerpoint/2010/main" spd="med"/>
+</p:sld>
+</file>
+
+<file path=ppt/slides/slide6.xml><?xml version="1.0" encoding="utf-8"?>
+<p:sld xmlns:a="http://schemas.openxmlformats.org/drawingml/2006/main" xmlns:r="http://schemas.openxmlformats.org/officeDocument/2006/relationships" xmlns:p="http://schemas.openxmlformats.org/presentationml/2006/main">
   <p:cSld>
     <p:spTree>
       <p:nvGrpSpPr>
@@ -3911,7 +4358,9 @@
       <p:sp>
         <p:nvSpPr>
           <p:cNvPr id="62" name="Shape 62"/>
-          <p:cNvSpPr/>
+          <p:cNvSpPr>
+            <a:spLocks noGrp="1"/>
+          </p:cNvSpPr>
           <p:nvPr>
             <p:ph type="title"/>
           </p:nvPr>
@@ -3971,12 +4420,12 @@
   <p:clrMapOvr>
     <a:masterClrMapping/>
   </p:clrMapOvr>
-  <p:transition spd="med" advClick="1"/>
+  <p:transition xmlns:p14="http://schemas.microsoft.com/office/powerpoint/2010/main" spd="med"/>
 </p:sld>
 </file>
 
-<file path=ppt/slides/slide6.xml><?xml version="1.0" encoding="utf-8"?>
-<p:sld xmlns:a="http://schemas.openxmlformats.org/drawingml/2006/main" xmlns:r="http://schemas.openxmlformats.org/officeDocument/2006/relationships" xmlns:p="http://schemas.openxmlformats.org/presentationml/2006/main" showMasterSp="1" showMasterPhAnim="1">
+<file path=ppt/slides/slide7.xml><?xml version="1.0" encoding="utf-8"?>
+<p:sld xmlns:a="http://schemas.openxmlformats.org/drawingml/2006/main" xmlns:r="http://schemas.openxmlformats.org/officeDocument/2006/relationships" xmlns:p="http://schemas.openxmlformats.org/presentationml/2006/main">
   <p:cSld>
     <p:spTree>
       <p:nvGrpSpPr>
@@ -3995,7 +4444,9 @@
       <p:sp>
         <p:nvSpPr>
           <p:cNvPr id="65" name="Shape 65"/>
-          <p:cNvSpPr/>
+          <p:cNvSpPr>
+            <a:spLocks noGrp="1"/>
+          </p:cNvSpPr>
           <p:nvPr>
             <p:ph type="title"/>
           </p:nvPr>
@@ -4055,12 +4506,12 @@
   <p:clrMapOvr>
     <a:masterClrMapping/>
   </p:clrMapOvr>
-  <p:transition spd="med" advClick="1"/>
+  <p:transition xmlns:p14="http://schemas.microsoft.com/office/powerpoint/2010/main" spd="med"/>
 </p:sld>
 </file>
 
-<file path=ppt/slides/slide7.xml><?xml version="1.0" encoding="utf-8"?>
-<p:sld xmlns:a="http://schemas.openxmlformats.org/drawingml/2006/main" xmlns:r="http://schemas.openxmlformats.org/officeDocument/2006/relationships" xmlns:p="http://schemas.openxmlformats.org/presentationml/2006/main" showMasterSp="1" showMasterPhAnim="1">
+<file path=ppt/slides/slide8.xml><?xml version="1.0" encoding="utf-8"?>
+<p:sld xmlns:a="http://schemas.openxmlformats.org/drawingml/2006/main" xmlns:r="http://schemas.openxmlformats.org/officeDocument/2006/relationships" xmlns:p="http://schemas.openxmlformats.org/presentationml/2006/main">
   <p:cSld>
     <p:spTree>
       <p:nvGrpSpPr>
@@ -4079,7 +4530,9 @@
       <p:sp>
         <p:nvSpPr>
           <p:cNvPr id="68" name="Shape 68"/>
-          <p:cNvSpPr/>
+          <p:cNvSpPr>
+            <a:spLocks noGrp="1"/>
+          </p:cNvSpPr>
           <p:nvPr>
             <p:ph type="title"/>
           </p:nvPr>
@@ -4110,7 +4563,9 @@
       <p:sp>
         <p:nvSpPr>
           <p:cNvPr id="69" name="Shape 69"/>
-          <p:cNvSpPr/>
+          <p:cNvSpPr>
+            <a:spLocks noGrp="1"/>
+          </p:cNvSpPr>
           <p:nvPr>
             <p:ph type="body" idx="1"/>
           </p:nvPr>
@@ -4128,7 +4583,7 @@
           <a:bodyPr/>
           <a:lstStyle/>
           <a:p>
-            <a:pPr lvl="0" marL="812800" indent="-812800">
+            <a:pPr marL="812800" lvl="0" indent="-812800">
               <a:lnSpc>
                 <a:spcPct val="80000"/>
               </a:lnSpc>
@@ -4141,7 +4596,6 @@
               <a:rPr sz="2400"/>
               <a:t>Rickshaw charts + socket.io</a:t>
             </a:r>
-            <a:endParaRPr sz="2400"/>
           </a:p>
           <a:p>
             <a:pPr lvl="0">
@@ -4156,7 +4610,7 @@
             <a:endParaRPr sz="2400"/>
           </a:p>
           <a:p>
-            <a:pPr lvl="0" marL="812800" indent="-812800">
+            <a:pPr marL="812800" lvl="0" indent="-812800">
               <a:lnSpc>
                 <a:spcPct val="80000"/>
               </a:lnSpc>
@@ -4169,7 +4623,6 @@
               <a:rPr sz="2400"/>
               <a:t>Node.js + express</a:t>
             </a:r>
-            <a:endParaRPr sz="2400"/>
           </a:p>
           <a:p>
             <a:pPr lvl="0">
@@ -4184,7 +4637,7 @@
             <a:endParaRPr sz="2400"/>
           </a:p>
           <a:p>
-            <a:pPr lvl="0" marL="812800" indent="-812800">
+            <a:pPr marL="812800" lvl="0" indent="-812800">
               <a:lnSpc>
                 <a:spcPct val="80000"/>
               </a:lnSpc>
@@ -4197,7 +4650,6 @@
               <a:rPr sz="2400"/>
               <a:t>Seneca (Microservices framework)</a:t>
             </a:r>
-            <a:endParaRPr sz="2400"/>
           </a:p>
           <a:p>
             <a:pPr lvl="0">
@@ -4212,7 +4664,7 @@
             <a:endParaRPr sz="2400"/>
           </a:p>
           <a:p>
-            <a:pPr lvl="0" marL="812800" indent="-812800">
+            <a:pPr marL="812800" lvl="0" indent="-812800">
               <a:lnSpc>
                 <a:spcPct val="80000"/>
               </a:lnSpc>
@@ -4225,7 +4677,6 @@
               <a:rPr sz="2400"/>
               <a:t>Mosca (MQTT broker)</a:t>
             </a:r>
-            <a:endParaRPr sz="2400"/>
           </a:p>
           <a:p>
             <a:pPr lvl="0">
@@ -4240,7 +4691,7 @@
             <a:endParaRPr sz="2400"/>
           </a:p>
           <a:p>
-            <a:pPr lvl="0" marL="812800" indent="-812800">
+            <a:pPr marL="812800" lvl="0" indent="-812800">
               <a:lnSpc>
                 <a:spcPct val="80000"/>
               </a:lnSpc>
@@ -4253,7 +4704,6 @@
               <a:rPr sz="2400"/>
               <a:t>InfluxDB (Time series database)</a:t>
             </a:r>
-            <a:endParaRPr sz="2400"/>
           </a:p>
           <a:p>
             <a:pPr lvl="0">
@@ -4268,7 +4718,7 @@
             <a:endParaRPr sz="2400"/>
           </a:p>
           <a:p>
-            <a:pPr lvl="0" marL="812800" indent="-812800">
+            <a:pPr marL="812800" lvl="0" indent="-812800">
               <a:lnSpc>
                 <a:spcPct val="80000"/>
               </a:lnSpc>
@@ -4289,12 +4739,12 @@
   <p:clrMapOvr>
     <a:masterClrMapping/>
   </p:clrMapOvr>
-  <p:transition spd="med" advClick="1"/>
+  <p:transition xmlns:p14="http://schemas.microsoft.com/office/powerpoint/2010/main" spd="med"/>
 </p:sld>
 </file>
 
-<file path=ppt/slides/slide8.xml><?xml version="1.0" encoding="utf-8"?>
-<p:sld xmlns:a="http://schemas.openxmlformats.org/drawingml/2006/main" xmlns:r="http://schemas.openxmlformats.org/officeDocument/2006/relationships" xmlns:p="http://schemas.openxmlformats.org/presentationml/2006/main" showMasterSp="1" showMasterPhAnim="1">
+<file path=ppt/slides/slide9.xml><?xml version="1.0" encoding="utf-8"?>
+<p:sld xmlns:a="http://schemas.openxmlformats.org/drawingml/2006/main" xmlns:r="http://schemas.openxmlformats.org/officeDocument/2006/relationships" xmlns:p="http://schemas.openxmlformats.org/presentationml/2006/main">
   <p:cSld>
     <p:spTree>
       <p:nvGrpSpPr>
@@ -4313,7 +4763,9 @@
       <p:sp>
         <p:nvSpPr>
           <p:cNvPr id="71" name="Shape 71"/>
-          <p:cNvSpPr/>
+          <p:cNvSpPr>
+            <a:spLocks noGrp="1"/>
+          </p:cNvSpPr>
           <p:nvPr>
             <p:ph type="title"/>
           </p:nvPr>
@@ -4344,7 +4796,9 @@
       <p:sp>
         <p:nvSpPr>
           <p:cNvPr id="72" name="Shape 72"/>
-          <p:cNvSpPr/>
+          <p:cNvSpPr>
+            <a:spLocks noGrp="1"/>
+          </p:cNvSpPr>
           <p:nvPr>
             <p:ph type="body" idx="1"/>
           </p:nvPr>
@@ -4365,19 +4819,19 @@
             <a:pPr lvl="0">
               <a:defRPr sz="1800"/>
             </a:pPr>
-          </a:p>
-          <a:p>
-            <a:pPr lvl="0" marL="1926636" indent="-1926636">
+            <a:endParaRPr/>
+          </a:p>
+          <a:p>
+            <a:pPr marL="1926636" lvl="0" indent="-1926636">
               <a:defRPr sz="1800"/>
             </a:pPr>
             <a:r>
               <a:rPr sz="3200"/>
               <a:t>Run ‘docker ps’</a:t>
             </a:r>
-            <a:endParaRPr sz="3200"/>
-          </a:p>
-          <a:p>
-            <a:pPr lvl="1" marL="1532779" indent="-1075579">
+          </a:p>
+          <a:p>
+            <a:pPr marL="1532779" lvl="1" indent="-1075579">
               <a:spcBef>
                 <a:spcPts val="600"/>
               </a:spcBef>
@@ -4387,10 +4841,9 @@
               <a:rPr sz="2800"/>
               <a:t>Should execute and show no processes</a:t>
             </a:r>
-            <a:endParaRPr sz="2800"/>
-          </a:p>
-          <a:p>
-            <a:pPr lvl="1" marL="742950" indent="-285750">
+          </a:p>
+          <a:p>
+            <a:pPr marL="742950" lvl="1" indent="-285750">
               <a:spcBef>
                 <a:spcPts val="600"/>
               </a:spcBef>
@@ -4399,17 +4852,16 @@
             <a:endParaRPr sz="2800"/>
           </a:p>
           <a:p>
-            <a:pPr lvl="0" marL="1926636" indent="-1926636">
+            <a:pPr marL="1926636" lvl="0" indent="-1926636">
               <a:defRPr sz="1800"/>
             </a:pPr>
             <a:r>
               <a:rPr sz="3200"/>
               <a:t>Run ‘docker images’</a:t>
             </a:r>
-            <a:endParaRPr sz="3200"/>
-          </a:p>
-          <a:p>
-            <a:pPr lvl="1" marL="1532779" indent="-1075579">
+          </a:p>
+          <a:p>
+            <a:pPr marL="1532779" lvl="1" indent="-1075579">
               <a:spcBef>
                 <a:spcPts val="600"/>
               </a:spcBef>
@@ -4419,10 +4871,9 @@
               <a:rPr sz="2800"/>
               <a:t>Should show two images loaded</a:t>
             </a:r>
-            <a:endParaRPr sz="2800"/>
-          </a:p>
-          <a:p>
-            <a:pPr lvl="1" marL="1532779" indent="-1075579">
+          </a:p>
+          <a:p>
+            <a:pPr marL="1532779" lvl="1" indent="-1075579">
               <a:spcBef>
                 <a:spcPts val="600"/>
               </a:spcBef>
@@ -4432,10 +4883,9 @@
               <a:rPr sz="2800"/>
               <a:t>node</a:t>
             </a:r>
-            <a:endParaRPr sz="2800"/>
-          </a:p>
-          <a:p>
-            <a:pPr lvl="1" marL="1532779" indent="-1075579">
+          </a:p>
+          <a:p>
+            <a:pPr marL="1532779" lvl="1" indent="-1075579">
               <a:spcBef>
                 <a:spcPts val="600"/>
               </a:spcBef>
@@ -4453,151 +4903,12 @@
   <p:clrMapOvr>
     <a:masterClrMapping/>
   </p:clrMapOvr>
-  <p:transition spd="med" advClick="1"/>
-</p:sld>
-</file>
-
-<file path=ppt/slides/slide9.xml><?xml version="1.0" encoding="utf-8"?>
-<p:sld xmlns:a="http://schemas.openxmlformats.org/drawingml/2006/main" xmlns:r="http://schemas.openxmlformats.org/officeDocument/2006/relationships" xmlns:p="http://schemas.openxmlformats.org/presentationml/2006/main" showMasterSp="1" showMasterPhAnim="1">
-  <p:cSld>
-    <p:spTree>
-      <p:nvGrpSpPr>
-        <p:cNvPr id="1" name=""/>
-        <p:cNvGrpSpPr/>
-        <p:nvPr/>
-      </p:nvGrpSpPr>
-      <p:grpSpPr>
-        <a:xfrm>
-          <a:off x="0" y="0"/>
-          <a:ext cx="0" cy="0"/>
-          <a:chOff x="0" y="0"/>
-          <a:chExt cx="0" cy="0"/>
-        </a:xfrm>
-      </p:grpSpPr>
-      <p:sp>
-        <p:nvSpPr>
-          <p:cNvPr id="74" name="Shape 74"/>
-          <p:cNvSpPr/>
-          <p:nvPr>
-            <p:ph type="title"/>
-          </p:nvPr>
-        </p:nvSpPr>
-        <p:spPr>
-          <a:xfrm>
-            <a:off x="457200" y="274638"/>
-            <a:ext cx="8229600" cy="1143001"/>
-          </a:xfrm>
-          <a:prstGeom prst="rect">
-            <a:avLst/>
-          </a:prstGeom>
-        </p:spPr>
-        <p:txBody>
-          <a:bodyPr/>
-          <a:lstStyle/>
-          <a:p>
-            <a:pPr lvl="0">
-              <a:defRPr sz="1800"/>
-            </a:pPr>
-            <a:r>
-              <a:rPr sz="4400"/>
-              <a:t>Get the workshop</a:t>
-            </a:r>
-          </a:p>
-        </p:txBody>
-      </p:sp>
-      <p:sp>
-        <p:nvSpPr>
-          <p:cNvPr id="75" name="Shape 75"/>
-          <p:cNvSpPr/>
-          <p:nvPr>
-            <p:ph type="body" idx="1"/>
-          </p:nvPr>
-        </p:nvSpPr>
-        <p:spPr>
-          <a:xfrm>
-            <a:off x="457200" y="1600200"/>
-            <a:ext cx="8229600" cy="4525963"/>
-          </a:xfrm>
-          <a:prstGeom prst="rect">
-            <a:avLst/>
-          </a:prstGeom>
-        </p:spPr>
-        <p:txBody>
-          <a:bodyPr/>
-          <a:lstStyle/>
-          <a:p>
-            <a:pPr lvl="0" marL="1926636" indent="-1926636">
-              <a:defRPr sz="1800"/>
-            </a:pPr>
-            <a:r>
-              <a:rPr sz="3200"/>
-              <a:t>Clone the following repo</a:t>
-            </a:r>
-            <a:endParaRPr sz="3200"/>
-          </a:p>
-          <a:p>
-            <a:pPr lvl="0" marL="0" indent="0" algn="ctr">
-              <a:buSzTx/>
-              <a:buNone/>
-              <a:defRPr sz="1800"/>
-            </a:pPr>
-            <a:endParaRPr sz="3200"/>
-          </a:p>
-          <a:p>
-            <a:pPr lvl="0" marL="0" indent="0" algn="ctr">
-              <a:buSzTx/>
-              <a:buNone/>
-              <a:defRPr sz="1800"/>
-            </a:pPr>
-            <a:r>
-              <a:rPr sz="3700">
-                <a:latin typeface="PT Mono"/>
-                <a:ea typeface="PT Mono"/>
-                <a:cs typeface="PT Mono"/>
-                <a:sym typeface="PT Mono"/>
-              </a:rPr>
-              <a:t>https://github.com/nearform/developing-microservices</a:t>
-            </a:r>
-            <a:endParaRPr sz="4500">
-              <a:latin typeface="PT Mono"/>
-              <a:ea typeface="PT Mono"/>
-              <a:cs typeface="PT Mono"/>
-              <a:sym typeface="PT Mono"/>
-            </a:endParaRPr>
-          </a:p>
-          <a:p>
-            <a:pPr lvl="1" marL="0" indent="457200">
-              <a:spcBef>
-                <a:spcPts val="600"/>
-              </a:spcBef>
-              <a:buSzTx/>
-              <a:buNone/>
-              <a:defRPr sz="1800"/>
-            </a:pPr>
-            <a:endParaRPr sz="2800"/>
-          </a:p>
-          <a:p>
-            <a:pPr lvl="0" marL="1926636" indent="-1926636">
-              <a:defRPr sz="1800"/>
-            </a:pPr>
-            <a:r>
-              <a:rPr sz="3200"/>
-              <a:t>Or grab the tarball from a key drive</a:t>
-            </a:r>
-          </a:p>
-        </p:txBody>
-      </p:sp>
-    </p:spTree>
-  </p:cSld>
-  <p:clrMapOvr>
-    <a:masterClrMapping/>
-  </p:clrMapOvr>
-  <p:transition spd="med" advClick="1"/>
+  <p:transition xmlns:p14="http://schemas.microsoft.com/office/powerpoint/2010/main" spd="med"/>
 </p:sld>
 </file>
 
 <file path=ppt/theme/theme1.xml><?xml version="1.0" encoding="utf-8"?>
-<a:theme xmlns:a="http://schemas.openxmlformats.org/drawingml/2006/main" xmlns:r="http://schemas.openxmlformats.org/officeDocument/2006/relationships" name="Default">
+<a:theme xmlns:a="http://schemas.openxmlformats.org/drawingml/2006/main" name="Default">
   <a:themeElements>
     <a:clrScheme name="Default">
       <a:dk1>
@@ -4723,7 +5034,7 @@
       <a:effectStyleLst>
         <a:effectStyle>
           <a:effectLst>
-            <a:outerShdw sx="100000" sy="100000" kx="0" ky="0" algn="b" rotWithShape="0" blurRad="38100" dist="23000" dir="5400000">
+            <a:outerShdw blurRad="38100" dist="23000" dir="5400000" rotWithShape="0">
               <a:srgbClr val="000000">
                 <a:alpha val="35000"/>
               </a:srgbClr>
@@ -4732,7 +5043,7 @@
         </a:effectStyle>
         <a:effectStyle>
           <a:effectLst>
-            <a:outerShdw sx="100000" sy="100000" kx="0" ky="0" algn="b" rotWithShape="0" blurRad="38100" dist="23000" dir="5400000">
+            <a:outerShdw blurRad="38100" dist="23000" dir="5400000" rotWithShape="0">
               <a:srgbClr val="000000">
                 <a:alpha val="35000"/>
               </a:srgbClr>
@@ -4741,7 +5052,7 @@
         </a:effectStyle>
         <a:effectStyle>
           <a:effectLst>
-            <a:outerShdw sx="100000" sy="100000" kx="0" ky="0" algn="b" rotWithShape="0" blurRad="38100" dist="23000" dir="5400000">
+            <a:outerShdw blurRad="38100" dist="23000" dir="5400000" rotWithShape="0">
               <a:srgbClr val="000000">
                 <a:alpha val="35000"/>
               </a:srgbClr>
@@ -4815,14 +5126,14 @@
           <a:bevel/>
         </a:ln>
         <a:effectLst>
-          <a:outerShdw sx="100000" sy="100000" kx="0" ky="0" algn="b" rotWithShape="0" blurRad="38100" dist="23000" dir="5400000">
+          <a:outerShdw blurRad="38100" dist="23000" dir="5400000" rotWithShape="0">
             <a:srgbClr val="000000">
               <a:alpha val="35000"/>
             </a:srgbClr>
           </a:outerShdw>
         </a:effectLst>
       </a:spPr>
-      <a:bodyPr rot="0" spcFirstLastPara="1" vertOverflow="overflow" horzOverflow="overflow" vert="horz" wrap="square" lIns="45718" tIns="45718" rIns="45718" bIns="45718" numCol="1" spcCol="38100" rtlCol="0" anchor="ctr" upright="0">
+      <a:bodyPr rot="0" spcFirstLastPara="1" vertOverflow="overflow" horzOverflow="overflow" vert="horz" wrap="square" lIns="45718" tIns="45718" rIns="45718" bIns="45718" numCol="1" spcCol="38100" rtlCol="0" anchor="ctr">
         <a:spAutoFit/>
       </a:bodyPr>
       <a:lstStyle>
@@ -4841,7 +5152,7 @@
           <a:buFontTx/>
           <a:buNone/>
           <a:tabLst/>
-          <a:defRPr b="0" baseline="0" cap="none" i="0" spc="0" strike="noStrike" sz="1800" u="none" kumimoji="0" normalizeH="0">
+          <a:defRPr kumimoji="0" sz="1800" b="0" i="0" u="none" strike="noStrike" cap="none" spc="0" normalizeH="0" baseline="0">
             <a:ln>
               <a:noFill/>
             </a:ln>
@@ -4871,7 +5182,7 @@
           <a:buFontTx/>
           <a:buNone/>
           <a:tabLst/>
-          <a:defRPr b="0" baseline="0" cap="none" i="0" spc="0" strike="noStrike" sz="1800" u="none" kumimoji="0" normalizeH="0">
+          <a:defRPr kumimoji="0" sz="1800" b="0" i="0" u="none" strike="noStrike" cap="none" spc="0" normalizeH="0" baseline="0">
             <a:ln>
               <a:noFill/>
             </a:ln>
@@ -4897,7 +5208,7 @@
           <a:buFontTx/>
           <a:buNone/>
           <a:tabLst/>
-          <a:defRPr b="0" baseline="0" cap="none" i="0" spc="0" strike="noStrike" sz="1800" u="none" kumimoji="0" normalizeH="0">
+          <a:defRPr kumimoji="0" sz="1800" b="0" i="0" u="none" strike="noStrike" cap="none" spc="0" normalizeH="0" baseline="0">
             <a:ln>
               <a:noFill/>
             </a:ln>
@@ -4923,7 +5234,7 @@
           <a:buFontTx/>
           <a:buNone/>
           <a:tabLst/>
-          <a:defRPr b="0" baseline="0" cap="none" i="0" spc="0" strike="noStrike" sz="1800" u="none" kumimoji="0" normalizeH="0">
+          <a:defRPr kumimoji="0" sz="1800" b="0" i="0" u="none" strike="noStrike" cap="none" spc="0" normalizeH="0" baseline="0">
             <a:ln>
               <a:noFill/>
             </a:ln>
@@ -4949,7 +5260,7 @@
           <a:buFontTx/>
           <a:buNone/>
           <a:tabLst/>
-          <a:defRPr b="0" baseline="0" cap="none" i="0" spc="0" strike="noStrike" sz="1800" u="none" kumimoji="0" normalizeH="0">
+          <a:defRPr kumimoji="0" sz="1800" b="0" i="0" u="none" strike="noStrike" cap="none" spc="0" normalizeH="0" baseline="0">
             <a:ln>
               <a:noFill/>
             </a:ln>
@@ -4975,7 +5286,7 @@
           <a:buFontTx/>
           <a:buNone/>
           <a:tabLst/>
-          <a:defRPr b="0" baseline="0" cap="none" i="0" spc="0" strike="noStrike" sz="1800" u="none" kumimoji="0" normalizeH="0">
+          <a:defRPr kumimoji="0" sz="1800" b="0" i="0" u="none" strike="noStrike" cap="none" spc="0" normalizeH="0" baseline="0">
             <a:ln>
               <a:noFill/>
             </a:ln>
@@ -5001,7 +5312,7 @@
           <a:buFontTx/>
           <a:buNone/>
           <a:tabLst/>
-          <a:defRPr b="0" baseline="0" cap="none" i="0" spc="0" strike="noStrike" sz="1800" u="none" kumimoji="0" normalizeH="0">
+          <a:defRPr kumimoji="0" sz="1800" b="0" i="0" u="none" strike="noStrike" cap="none" spc="0" normalizeH="0" baseline="0">
             <a:ln>
               <a:noFill/>
             </a:ln>
@@ -5027,7 +5338,7 @@
           <a:buFontTx/>
           <a:buNone/>
           <a:tabLst/>
-          <a:defRPr b="0" baseline="0" cap="none" i="0" spc="0" strike="noStrike" sz="1800" u="none" kumimoji="0" normalizeH="0">
+          <a:defRPr kumimoji="0" sz="1800" b="0" i="0" u="none" strike="noStrike" cap="none" spc="0" normalizeH="0" baseline="0">
             <a:ln>
               <a:noFill/>
             </a:ln>
@@ -5053,7 +5364,7 @@
           <a:buFontTx/>
           <a:buNone/>
           <a:tabLst/>
-          <a:defRPr b="0" baseline="0" cap="none" i="0" spc="0" strike="noStrike" sz="1800" u="none" kumimoji="0" normalizeH="0">
+          <a:defRPr kumimoji="0" sz="1800" b="0" i="0" u="none" strike="noStrike" cap="none" spc="0" normalizeH="0" baseline="0">
             <a:ln>
               <a:noFill/>
             </a:ln>
@@ -5079,7 +5390,7 @@
           <a:buFontTx/>
           <a:buNone/>
           <a:tabLst/>
-          <a:defRPr b="0" baseline="0" cap="none" i="0" spc="0" strike="noStrike" sz="1800" u="none" kumimoji="0" normalizeH="0">
+          <a:defRPr kumimoji="0" sz="1800" b="0" i="0" u="none" strike="noStrike" cap="none" spc="0" normalizeH="0" baseline="0">
             <a:ln>
               <a:noFill/>
             </a:ln>
@@ -5092,9 +5403,15 @@
         </a:lvl9pPr>
       </a:lstStyle>
       <a:style>
-        <a:lnRef idx="0"/>
-        <a:fillRef idx="0"/>
-        <a:effectRef idx="0"/>
+        <a:lnRef idx="0">
+          <a:scrgbClr r="0" g="0" b="0"/>
+        </a:lnRef>
+        <a:fillRef idx="0">
+          <a:scrgbClr r="0" g="0" b="0"/>
+        </a:fillRef>
+        <a:effectRef idx="0">
+          <a:scrgbClr r="0" g="0" b="0"/>
+        </a:effectRef>
         <a:fontRef idx="none"/>
       </a:style>
     </a:spDef>
@@ -5109,14 +5426,14 @@
           <a:bevel/>
         </a:ln>
         <a:effectLst>
-          <a:outerShdw sx="100000" sy="100000" kx="0" ky="0" algn="b" rotWithShape="0" blurRad="38100" dist="23000" dir="5400000">
+          <a:outerShdw blurRad="38100" dist="23000" dir="5400000" rotWithShape="0">
             <a:srgbClr val="000000">
               <a:alpha val="35000"/>
             </a:srgbClr>
           </a:outerShdw>
         </a:effectLst>
       </a:spPr>
-      <a:bodyPr rot="0" spcFirstLastPara="1" vertOverflow="overflow" horzOverflow="overflow" vert="horz" wrap="square" lIns="91439" tIns="45719" rIns="91439" bIns="45719" numCol="1" spcCol="38100" rtlCol="0" anchor="t" upright="0">
+      <a:bodyPr rot="0" spcFirstLastPara="1" vertOverflow="overflow" horzOverflow="overflow" vert="horz" wrap="square" lIns="91439" tIns="45719" rIns="91439" bIns="45719" numCol="1" spcCol="38100" rtlCol="0" anchor="t">
         <a:noAutofit/>
       </a:bodyPr>
       <a:lstStyle>
@@ -5135,7 +5452,7 @@
           <a:buFontTx/>
           <a:buNone/>
           <a:tabLst/>
-          <a:defRPr b="0" baseline="0" cap="none" i="0" spc="0" strike="noStrike" sz="1800" u="none" kumimoji="0" normalizeH="0">
+          <a:defRPr kumimoji="0" sz="1800" b="0" i="0" u="none" strike="noStrike" cap="none" spc="0" normalizeH="0" baseline="0">
             <a:ln>
               <a:noFill/>
             </a:ln>
@@ -5161,7 +5478,7 @@
           <a:buFontTx/>
           <a:buNone/>
           <a:tabLst/>
-          <a:defRPr b="0" baseline="0" cap="none" i="0" spc="0" strike="noStrike" sz="1800" u="none" kumimoji="0" normalizeH="0">
+          <a:defRPr kumimoji="0" sz="1800" b="0" i="0" u="none" strike="noStrike" cap="none" spc="0" normalizeH="0" baseline="0">
             <a:ln>
               <a:noFill/>
             </a:ln>
@@ -5187,7 +5504,7 @@
           <a:buFontTx/>
           <a:buNone/>
           <a:tabLst/>
-          <a:defRPr b="0" baseline="0" cap="none" i="0" spc="0" strike="noStrike" sz="1800" u="none" kumimoji="0" normalizeH="0">
+          <a:defRPr kumimoji="0" sz="1800" b="0" i="0" u="none" strike="noStrike" cap="none" spc="0" normalizeH="0" baseline="0">
             <a:ln>
               <a:noFill/>
             </a:ln>
@@ -5213,7 +5530,7 @@
           <a:buFontTx/>
           <a:buNone/>
           <a:tabLst/>
-          <a:defRPr b="0" baseline="0" cap="none" i="0" spc="0" strike="noStrike" sz="1800" u="none" kumimoji="0" normalizeH="0">
+          <a:defRPr kumimoji="0" sz="1800" b="0" i="0" u="none" strike="noStrike" cap="none" spc="0" normalizeH="0" baseline="0">
             <a:ln>
               <a:noFill/>
             </a:ln>
@@ -5239,7 +5556,7 @@
           <a:buFontTx/>
           <a:buNone/>
           <a:tabLst/>
-          <a:defRPr b="0" baseline="0" cap="none" i="0" spc="0" strike="noStrike" sz="1800" u="none" kumimoji="0" normalizeH="0">
+          <a:defRPr kumimoji="0" sz="1800" b="0" i="0" u="none" strike="noStrike" cap="none" spc="0" normalizeH="0" baseline="0">
             <a:ln>
               <a:noFill/>
             </a:ln>
@@ -5265,7 +5582,7 @@
           <a:buFontTx/>
           <a:buNone/>
           <a:tabLst/>
-          <a:defRPr b="0" baseline="0" cap="none" i="0" spc="0" strike="noStrike" sz="1800" u="none" kumimoji="0" normalizeH="0">
+          <a:defRPr kumimoji="0" sz="1800" b="0" i="0" u="none" strike="noStrike" cap="none" spc="0" normalizeH="0" baseline="0">
             <a:ln>
               <a:noFill/>
             </a:ln>
@@ -5291,7 +5608,7 @@
           <a:buFontTx/>
           <a:buNone/>
           <a:tabLst/>
-          <a:defRPr b="0" baseline="0" cap="none" i="0" spc="0" strike="noStrike" sz="1800" u="none" kumimoji="0" normalizeH="0">
+          <a:defRPr kumimoji="0" sz="1800" b="0" i="0" u="none" strike="noStrike" cap="none" spc="0" normalizeH="0" baseline="0">
             <a:ln>
               <a:noFill/>
             </a:ln>
@@ -5317,7 +5634,7 @@
           <a:buFontTx/>
           <a:buNone/>
           <a:tabLst/>
-          <a:defRPr b="0" baseline="0" cap="none" i="0" spc="0" strike="noStrike" sz="1800" u="none" kumimoji="0" normalizeH="0">
+          <a:defRPr kumimoji="0" sz="1800" b="0" i="0" u="none" strike="noStrike" cap="none" spc="0" normalizeH="0" baseline="0">
             <a:ln>
               <a:noFill/>
             </a:ln>
@@ -5343,7 +5660,7 @@
           <a:buFontTx/>
           <a:buNone/>
           <a:tabLst/>
-          <a:defRPr b="0" baseline="0" cap="none" i="0" spc="0" strike="noStrike" sz="1800" u="none" kumimoji="0" normalizeH="0">
+          <a:defRPr kumimoji="0" sz="1800" b="0" i="0" u="none" strike="noStrike" cap="none" spc="0" normalizeH="0" baseline="0">
             <a:ln>
               <a:noFill/>
             </a:ln>
@@ -5369,7 +5686,7 @@
           <a:buFontTx/>
           <a:buNone/>
           <a:tabLst/>
-          <a:defRPr b="0" baseline="0" cap="none" i="0" spc="0" strike="noStrike" sz="1800" u="none" kumimoji="0" normalizeH="0">
+          <a:defRPr kumimoji="0" sz="1800" b="0" i="0" u="none" strike="noStrike" cap="none" spc="0" normalizeH="0" baseline="0">
             <a:ln>
               <a:noFill/>
             </a:ln>
@@ -5382,9 +5699,15 @@
         </a:lvl9pPr>
       </a:lstStyle>
       <a:style>
-        <a:lnRef idx="0"/>
-        <a:fillRef idx="0"/>
-        <a:effectRef idx="0"/>
+        <a:lnRef idx="0">
+          <a:scrgbClr r="0" g="0" b="0"/>
+        </a:lnRef>
+        <a:fillRef idx="0">
+          <a:scrgbClr r="0" g="0" b="0"/>
+        </a:fillRef>
+        <a:effectRef idx="0">
+          <a:scrgbClr r="0" g="0" b="0"/>
+        </a:effectRef>
         <a:fontRef idx="none"/>
       </a:style>
     </a:lnDef>
@@ -5397,7 +5720,7 @@
         </a:ln>
         <a:effectLst/>
       </a:spPr>
-      <a:bodyPr rot="0" spcFirstLastPara="1" vertOverflow="overflow" horzOverflow="overflow" vert="horz" wrap="square" lIns="45718" tIns="45718" rIns="45718" bIns="45718" numCol="1" spcCol="38100" rtlCol="0" anchor="t" upright="0">
+      <a:bodyPr rot="0" spcFirstLastPara="1" vertOverflow="overflow" horzOverflow="overflow" vert="horz" wrap="square" lIns="45718" tIns="45718" rIns="45718" bIns="45718" numCol="1" spcCol="38100" rtlCol="0" anchor="t">
         <a:spAutoFit/>
       </a:bodyPr>
       <a:lstStyle>
@@ -5416,7 +5739,7 @@
           <a:buFontTx/>
           <a:buNone/>
           <a:tabLst/>
-          <a:defRPr b="0" baseline="0" cap="none" i="0" spc="0" strike="noStrike" sz="1800" u="none" kumimoji="0" normalizeH="0">
+          <a:defRPr kumimoji="0" sz="1800" b="0" i="0" u="none" strike="noStrike" cap="none" spc="0" normalizeH="0" baseline="0">
             <a:ln>
               <a:noFill/>
             </a:ln>
@@ -5446,7 +5769,7 @@
           <a:buFontTx/>
           <a:buNone/>
           <a:tabLst/>
-          <a:defRPr b="0" baseline="0" cap="none" i="0" spc="0" strike="noStrike" sz="1800" u="none" kumimoji="0" normalizeH="0">
+          <a:defRPr kumimoji="0" sz="1800" b="0" i="0" u="none" strike="noStrike" cap="none" spc="0" normalizeH="0" baseline="0">
             <a:ln>
               <a:noFill/>
             </a:ln>
@@ -5472,7 +5795,7 @@
           <a:buFontTx/>
           <a:buNone/>
           <a:tabLst/>
-          <a:defRPr b="0" baseline="0" cap="none" i="0" spc="0" strike="noStrike" sz="1800" u="none" kumimoji="0" normalizeH="0">
+          <a:defRPr kumimoji="0" sz="1800" b="0" i="0" u="none" strike="noStrike" cap="none" spc="0" normalizeH="0" baseline="0">
             <a:ln>
               <a:noFill/>
             </a:ln>
@@ -5498,7 +5821,7 @@
           <a:buFontTx/>
           <a:buNone/>
           <a:tabLst/>
-          <a:defRPr b="0" baseline="0" cap="none" i="0" spc="0" strike="noStrike" sz="1800" u="none" kumimoji="0" normalizeH="0">
+          <a:defRPr kumimoji="0" sz="1800" b="0" i="0" u="none" strike="noStrike" cap="none" spc="0" normalizeH="0" baseline="0">
             <a:ln>
               <a:noFill/>
             </a:ln>
@@ -5524,7 +5847,7 @@
           <a:buFontTx/>
           <a:buNone/>
           <a:tabLst/>
-          <a:defRPr b="0" baseline="0" cap="none" i="0" spc="0" strike="noStrike" sz="1800" u="none" kumimoji="0" normalizeH="0">
+          <a:defRPr kumimoji="0" sz="1800" b="0" i="0" u="none" strike="noStrike" cap="none" spc="0" normalizeH="0" baseline="0">
             <a:ln>
               <a:noFill/>
             </a:ln>
@@ -5550,7 +5873,7 @@
           <a:buFontTx/>
           <a:buNone/>
           <a:tabLst/>
-          <a:defRPr b="0" baseline="0" cap="none" i="0" spc="0" strike="noStrike" sz="1800" u="none" kumimoji="0" normalizeH="0">
+          <a:defRPr kumimoji="0" sz="1800" b="0" i="0" u="none" strike="noStrike" cap="none" spc="0" normalizeH="0" baseline="0">
             <a:ln>
               <a:noFill/>
             </a:ln>
@@ -5576,7 +5899,7 @@
           <a:buFontTx/>
           <a:buNone/>
           <a:tabLst/>
-          <a:defRPr b="0" baseline="0" cap="none" i="0" spc="0" strike="noStrike" sz="1800" u="none" kumimoji="0" normalizeH="0">
+          <a:defRPr kumimoji="0" sz="1800" b="0" i="0" u="none" strike="noStrike" cap="none" spc="0" normalizeH="0" baseline="0">
             <a:ln>
               <a:noFill/>
             </a:ln>
@@ -5602,7 +5925,7 @@
           <a:buFontTx/>
           <a:buNone/>
           <a:tabLst/>
-          <a:defRPr b="0" baseline="0" cap="none" i="0" spc="0" strike="noStrike" sz="1800" u="none" kumimoji="0" normalizeH="0">
+          <a:defRPr kumimoji="0" sz="1800" b="0" i="0" u="none" strike="noStrike" cap="none" spc="0" normalizeH="0" baseline="0">
             <a:ln>
               <a:noFill/>
             </a:ln>
@@ -5628,7 +5951,7 @@
           <a:buFontTx/>
           <a:buNone/>
           <a:tabLst/>
-          <a:defRPr b="0" baseline="0" cap="none" i="0" spc="0" strike="noStrike" sz="1800" u="none" kumimoji="0" normalizeH="0">
+          <a:defRPr kumimoji="0" sz="1800" b="0" i="0" u="none" strike="noStrike" cap="none" spc="0" normalizeH="0" baseline="0">
             <a:ln>
               <a:noFill/>
             </a:ln>
@@ -5654,7 +5977,7 @@
           <a:buFontTx/>
           <a:buNone/>
           <a:tabLst/>
-          <a:defRPr b="0" baseline="0" cap="none" i="0" spc="0" strike="noStrike" sz="1800" u="none" kumimoji="0" normalizeH="0">
+          <a:defRPr kumimoji="0" sz="1800" b="0" i="0" u="none" strike="noStrike" cap="none" spc="0" normalizeH="0" baseline="0">
             <a:ln>
               <a:noFill/>
             </a:ln>
@@ -5667,18 +5990,25 @@
         </a:lvl9pPr>
       </a:lstStyle>
       <a:style>
-        <a:lnRef idx="0"/>
-        <a:fillRef idx="0"/>
-        <a:effectRef idx="0"/>
+        <a:lnRef idx="0">
+          <a:scrgbClr r="0" g="0" b="0"/>
+        </a:lnRef>
+        <a:fillRef idx="0">
+          <a:scrgbClr r="0" g="0" b="0"/>
+        </a:fillRef>
+        <a:effectRef idx="0">
+          <a:scrgbClr r="0" g="0" b="0"/>
+        </a:effectRef>
         <a:fontRef idx="none"/>
       </a:style>
     </a:txDef>
   </a:objectDefaults>
+  <a:extraClrSchemeLst/>
 </a:theme>
 </file>
 
 <file path=ppt/theme/theme2.xml><?xml version="1.0" encoding="utf-8"?>
-<a:theme xmlns:a="http://schemas.openxmlformats.org/drawingml/2006/main" xmlns:r="http://schemas.openxmlformats.org/officeDocument/2006/relationships" name="Default">
+<a:theme xmlns:a="http://schemas.openxmlformats.org/drawingml/2006/main" name="Default">
   <a:themeElements>
     <a:clrScheme name="Default">
       <a:dk1>
@@ -5804,7 +6134,7 @@
       <a:effectStyleLst>
         <a:effectStyle>
           <a:effectLst>
-            <a:outerShdw sx="100000" sy="100000" kx="0" ky="0" algn="b" rotWithShape="0" blurRad="38100" dist="23000" dir="5400000">
+            <a:outerShdw blurRad="38100" dist="23000" dir="5400000" rotWithShape="0">
               <a:srgbClr val="000000">
                 <a:alpha val="35000"/>
               </a:srgbClr>
@@ -5813,7 +6143,7 @@
         </a:effectStyle>
         <a:effectStyle>
           <a:effectLst>
-            <a:outerShdw sx="100000" sy="100000" kx="0" ky="0" algn="b" rotWithShape="0" blurRad="38100" dist="23000" dir="5400000">
+            <a:outerShdw blurRad="38100" dist="23000" dir="5400000" rotWithShape="0">
               <a:srgbClr val="000000">
                 <a:alpha val="35000"/>
               </a:srgbClr>
@@ -5822,7 +6152,7 @@
         </a:effectStyle>
         <a:effectStyle>
           <a:effectLst>
-            <a:outerShdw sx="100000" sy="100000" kx="0" ky="0" algn="b" rotWithShape="0" blurRad="38100" dist="23000" dir="5400000">
+            <a:outerShdw blurRad="38100" dist="23000" dir="5400000" rotWithShape="0">
               <a:srgbClr val="000000">
                 <a:alpha val="35000"/>
               </a:srgbClr>
@@ -5896,14 +6226,14 @@
           <a:bevel/>
         </a:ln>
         <a:effectLst>
-          <a:outerShdw sx="100000" sy="100000" kx="0" ky="0" algn="b" rotWithShape="0" blurRad="38100" dist="23000" dir="5400000">
+          <a:outerShdw blurRad="38100" dist="23000" dir="5400000" rotWithShape="0">
             <a:srgbClr val="000000">
               <a:alpha val="35000"/>
             </a:srgbClr>
           </a:outerShdw>
         </a:effectLst>
       </a:spPr>
-      <a:bodyPr rot="0" spcFirstLastPara="1" vertOverflow="overflow" horzOverflow="overflow" vert="horz" wrap="square" lIns="45718" tIns="45718" rIns="45718" bIns="45718" numCol="1" spcCol="38100" rtlCol="0" anchor="ctr" upright="0">
+      <a:bodyPr rot="0" spcFirstLastPara="1" vertOverflow="overflow" horzOverflow="overflow" vert="horz" wrap="square" lIns="45718" tIns="45718" rIns="45718" bIns="45718" numCol="1" spcCol="38100" rtlCol="0" anchor="ctr">
         <a:spAutoFit/>
       </a:bodyPr>
       <a:lstStyle>
@@ -5922,7 +6252,7 @@
           <a:buFontTx/>
           <a:buNone/>
           <a:tabLst/>
-          <a:defRPr b="0" baseline="0" cap="none" i="0" spc="0" strike="noStrike" sz="1800" u="none" kumimoji="0" normalizeH="0">
+          <a:defRPr kumimoji="0" sz="1800" b="0" i="0" u="none" strike="noStrike" cap="none" spc="0" normalizeH="0" baseline="0">
             <a:ln>
               <a:noFill/>
             </a:ln>
@@ -5952,7 +6282,7 @@
           <a:buFontTx/>
           <a:buNone/>
           <a:tabLst/>
-          <a:defRPr b="0" baseline="0" cap="none" i="0" spc="0" strike="noStrike" sz="1800" u="none" kumimoji="0" normalizeH="0">
+          <a:defRPr kumimoji="0" sz="1800" b="0" i="0" u="none" strike="noStrike" cap="none" spc="0" normalizeH="0" baseline="0">
             <a:ln>
               <a:noFill/>
             </a:ln>
@@ -5978,7 +6308,7 @@
           <a:buFontTx/>
           <a:buNone/>
           <a:tabLst/>
-          <a:defRPr b="0" baseline="0" cap="none" i="0" spc="0" strike="noStrike" sz="1800" u="none" kumimoji="0" normalizeH="0">
+          <a:defRPr kumimoji="0" sz="1800" b="0" i="0" u="none" strike="noStrike" cap="none" spc="0" normalizeH="0" baseline="0">
             <a:ln>
               <a:noFill/>
             </a:ln>
@@ -6004,7 +6334,7 @@
           <a:buFontTx/>
           <a:buNone/>
           <a:tabLst/>
-          <a:defRPr b="0" baseline="0" cap="none" i="0" spc="0" strike="noStrike" sz="1800" u="none" kumimoji="0" normalizeH="0">
+          <a:defRPr kumimoji="0" sz="1800" b="0" i="0" u="none" strike="noStrike" cap="none" spc="0" normalizeH="0" baseline="0">
             <a:ln>
               <a:noFill/>
             </a:ln>
@@ -6030,7 +6360,7 @@
           <a:buFontTx/>
           <a:buNone/>
           <a:tabLst/>
-          <a:defRPr b="0" baseline="0" cap="none" i="0" spc="0" strike="noStrike" sz="1800" u="none" kumimoji="0" normalizeH="0">
+          <a:defRPr kumimoji="0" sz="1800" b="0" i="0" u="none" strike="noStrike" cap="none" spc="0" normalizeH="0" baseline="0">
             <a:ln>
               <a:noFill/>
             </a:ln>
@@ -6056,7 +6386,7 @@
           <a:buFontTx/>
           <a:buNone/>
           <a:tabLst/>
-          <a:defRPr b="0" baseline="0" cap="none" i="0" spc="0" strike="noStrike" sz="1800" u="none" kumimoji="0" normalizeH="0">
+          <a:defRPr kumimoji="0" sz="1800" b="0" i="0" u="none" strike="noStrike" cap="none" spc="0" normalizeH="0" baseline="0">
             <a:ln>
               <a:noFill/>
             </a:ln>
@@ -6082,7 +6412,7 @@
           <a:buFontTx/>
           <a:buNone/>
           <a:tabLst/>
-          <a:defRPr b="0" baseline="0" cap="none" i="0" spc="0" strike="noStrike" sz="1800" u="none" kumimoji="0" normalizeH="0">
+          <a:defRPr kumimoji="0" sz="1800" b="0" i="0" u="none" strike="noStrike" cap="none" spc="0" normalizeH="0" baseline="0">
             <a:ln>
               <a:noFill/>
             </a:ln>
@@ -6108,7 +6438,7 @@
           <a:buFontTx/>
           <a:buNone/>
           <a:tabLst/>
-          <a:defRPr b="0" baseline="0" cap="none" i="0" spc="0" strike="noStrike" sz="1800" u="none" kumimoji="0" normalizeH="0">
+          <a:defRPr kumimoji="0" sz="1800" b="0" i="0" u="none" strike="noStrike" cap="none" spc="0" normalizeH="0" baseline="0">
             <a:ln>
               <a:noFill/>
             </a:ln>
@@ -6134,7 +6464,7 @@
           <a:buFontTx/>
           <a:buNone/>
           <a:tabLst/>
-          <a:defRPr b="0" baseline="0" cap="none" i="0" spc="0" strike="noStrike" sz="1800" u="none" kumimoji="0" normalizeH="0">
+          <a:defRPr kumimoji="0" sz="1800" b="0" i="0" u="none" strike="noStrike" cap="none" spc="0" normalizeH="0" baseline="0">
             <a:ln>
               <a:noFill/>
             </a:ln>
@@ -6160,7 +6490,7 @@
           <a:buFontTx/>
           <a:buNone/>
           <a:tabLst/>
-          <a:defRPr b="0" baseline="0" cap="none" i="0" spc="0" strike="noStrike" sz="1800" u="none" kumimoji="0" normalizeH="0">
+          <a:defRPr kumimoji="0" sz="1800" b="0" i="0" u="none" strike="noStrike" cap="none" spc="0" normalizeH="0" baseline="0">
             <a:ln>
               <a:noFill/>
             </a:ln>
@@ -6173,9 +6503,15 @@
         </a:lvl9pPr>
       </a:lstStyle>
       <a:style>
-        <a:lnRef idx="0"/>
-        <a:fillRef idx="0"/>
-        <a:effectRef idx="0"/>
+        <a:lnRef idx="0">
+          <a:scrgbClr r="0" g="0" b="0"/>
+        </a:lnRef>
+        <a:fillRef idx="0">
+          <a:scrgbClr r="0" g="0" b="0"/>
+        </a:fillRef>
+        <a:effectRef idx="0">
+          <a:scrgbClr r="0" g="0" b="0"/>
+        </a:effectRef>
         <a:fontRef idx="none"/>
       </a:style>
     </a:spDef>
@@ -6190,14 +6526,14 @@
           <a:bevel/>
         </a:ln>
         <a:effectLst>
-          <a:outerShdw sx="100000" sy="100000" kx="0" ky="0" algn="b" rotWithShape="0" blurRad="38100" dist="23000" dir="5400000">
+          <a:outerShdw blurRad="38100" dist="23000" dir="5400000" rotWithShape="0">
             <a:srgbClr val="000000">
               <a:alpha val="35000"/>
             </a:srgbClr>
           </a:outerShdw>
         </a:effectLst>
       </a:spPr>
-      <a:bodyPr rot="0" spcFirstLastPara="1" vertOverflow="overflow" horzOverflow="overflow" vert="horz" wrap="square" lIns="91439" tIns="45719" rIns="91439" bIns="45719" numCol="1" spcCol="38100" rtlCol="0" anchor="t" upright="0">
+      <a:bodyPr rot="0" spcFirstLastPara="1" vertOverflow="overflow" horzOverflow="overflow" vert="horz" wrap="square" lIns="91439" tIns="45719" rIns="91439" bIns="45719" numCol="1" spcCol="38100" rtlCol="0" anchor="t">
         <a:noAutofit/>
       </a:bodyPr>
       <a:lstStyle>
@@ -6216,7 +6552,7 @@
           <a:buFontTx/>
           <a:buNone/>
           <a:tabLst/>
-          <a:defRPr b="0" baseline="0" cap="none" i="0" spc="0" strike="noStrike" sz="1800" u="none" kumimoji="0" normalizeH="0">
+          <a:defRPr kumimoji="0" sz="1800" b="0" i="0" u="none" strike="noStrike" cap="none" spc="0" normalizeH="0" baseline="0">
             <a:ln>
               <a:noFill/>
             </a:ln>
@@ -6242,7 +6578,7 @@
           <a:buFontTx/>
           <a:buNone/>
           <a:tabLst/>
-          <a:defRPr b="0" baseline="0" cap="none" i="0" spc="0" strike="noStrike" sz="1800" u="none" kumimoji="0" normalizeH="0">
+          <a:defRPr kumimoji="0" sz="1800" b="0" i="0" u="none" strike="noStrike" cap="none" spc="0" normalizeH="0" baseline="0">
             <a:ln>
               <a:noFill/>
             </a:ln>
@@ -6268,7 +6604,7 @@
           <a:buFontTx/>
           <a:buNone/>
           <a:tabLst/>
-          <a:defRPr b="0" baseline="0" cap="none" i="0" spc="0" strike="noStrike" sz="1800" u="none" kumimoji="0" normalizeH="0">
+          <a:defRPr kumimoji="0" sz="1800" b="0" i="0" u="none" strike="noStrike" cap="none" spc="0" normalizeH="0" baseline="0">
             <a:ln>
               <a:noFill/>
             </a:ln>
@@ -6294,7 +6630,7 @@
           <a:buFontTx/>
           <a:buNone/>
           <a:tabLst/>
-          <a:defRPr b="0" baseline="0" cap="none" i="0" spc="0" strike="noStrike" sz="1800" u="none" kumimoji="0" normalizeH="0">
+          <a:defRPr kumimoji="0" sz="1800" b="0" i="0" u="none" strike="noStrike" cap="none" spc="0" normalizeH="0" baseline="0">
             <a:ln>
               <a:noFill/>
             </a:ln>
@@ -6320,7 +6656,7 @@
           <a:buFontTx/>
           <a:buNone/>
           <a:tabLst/>
-          <a:defRPr b="0" baseline="0" cap="none" i="0" spc="0" strike="noStrike" sz="1800" u="none" kumimoji="0" normalizeH="0">
+          <a:defRPr kumimoji="0" sz="1800" b="0" i="0" u="none" strike="noStrike" cap="none" spc="0" normalizeH="0" baseline="0">
             <a:ln>
               <a:noFill/>
             </a:ln>
@@ -6346,7 +6682,7 @@
           <a:buFontTx/>
           <a:buNone/>
           <a:tabLst/>
-          <a:defRPr b="0" baseline="0" cap="none" i="0" spc="0" strike="noStrike" sz="1800" u="none" kumimoji="0" normalizeH="0">
+          <a:defRPr kumimoji="0" sz="1800" b="0" i="0" u="none" strike="noStrike" cap="none" spc="0" normalizeH="0" baseline="0">
             <a:ln>
               <a:noFill/>
             </a:ln>
@@ -6372,7 +6708,7 @@
           <a:buFontTx/>
           <a:buNone/>
           <a:tabLst/>
-          <a:defRPr b="0" baseline="0" cap="none" i="0" spc="0" strike="noStrike" sz="1800" u="none" kumimoji="0" normalizeH="0">
+          <a:defRPr kumimoji="0" sz="1800" b="0" i="0" u="none" strike="noStrike" cap="none" spc="0" normalizeH="0" baseline="0">
             <a:ln>
               <a:noFill/>
             </a:ln>
@@ -6398,7 +6734,7 @@
           <a:buFontTx/>
           <a:buNone/>
           <a:tabLst/>
-          <a:defRPr b="0" baseline="0" cap="none" i="0" spc="0" strike="noStrike" sz="1800" u="none" kumimoji="0" normalizeH="0">
+          <a:defRPr kumimoji="0" sz="1800" b="0" i="0" u="none" strike="noStrike" cap="none" spc="0" normalizeH="0" baseline="0">
             <a:ln>
               <a:noFill/>
             </a:ln>
@@ -6424,7 +6760,7 @@
           <a:buFontTx/>
           <a:buNone/>
           <a:tabLst/>
-          <a:defRPr b="0" baseline="0" cap="none" i="0" spc="0" strike="noStrike" sz="1800" u="none" kumimoji="0" normalizeH="0">
+          <a:defRPr kumimoji="0" sz="1800" b="0" i="0" u="none" strike="noStrike" cap="none" spc="0" normalizeH="0" baseline="0">
             <a:ln>
               <a:noFill/>
             </a:ln>
@@ -6450,7 +6786,7 @@
           <a:buFontTx/>
           <a:buNone/>
           <a:tabLst/>
-          <a:defRPr b="0" baseline="0" cap="none" i="0" spc="0" strike="noStrike" sz="1800" u="none" kumimoji="0" normalizeH="0">
+          <a:defRPr kumimoji="0" sz="1800" b="0" i="0" u="none" strike="noStrike" cap="none" spc="0" normalizeH="0" baseline="0">
             <a:ln>
               <a:noFill/>
             </a:ln>
@@ -6463,9 +6799,15 @@
         </a:lvl9pPr>
       </a:lstStyle>
       <a:style>
-        <a:lnRef idx="0"/>
-        <a:fillRef idx="0"/>
-        <a:effectRef idx="0"/>
+        <a:lnRef idx="0">
+          <a:scrgbClr r="0" g="0" b="0"/>
+        </a:lnRef>
+        <a:fillRef idx="0">
+          <a:scrgbClr r="0" g="0" b="0"/>
+        </a:fillRef>
+        <a:effectRef idx="0">
+          <a:scrgbClr r="0" g="0" b="0"/>
+        </a:effectRef>
         <a:fontRef idx="none"/>
       </a:style>
     </a:lnDef>
@@ -6478,7 +6820,7 @@
         </a:ln>
         <a:effectLst/>
       </a:spPr>
-      <a:bodyPr rot="0" spcFirstLastPara="1" vertOverflow="overflow" horzOverflow="overflow" vert="horz" wrap="square" lIns="45718" tIns="45718" rIns="45718" bIns="45718" numCol="1" spcCol="38100" rtlCol="0" anchor="t" upright="0">
+      <a:bodyPr rot="0" spcFirstLastPara="1" vertOverflow="overflow" horzOverflow="overflow" vert="horz" wrap="square" lIns="45718" tIns="45718" rIns="45718" bIns="45718" numCol="1" spcCol="38100" rtlCol="0" anchor="t">
         <a:spAutoFit/>
       </a:bodyPr>
       <a:lstStyle>
@@ -6497,7 +6839,7 @@
           <a:buFontTx/>
           <a:buNone/>
           <a:tabLst/>
-          <a:defRPr b="0" baseline="0" cap="none" i="0" spc="0" strike="noStrike" sz="1800" u="none" kumimoji="0" normalizeH="0">
+          <a:defRPr kumimoji="0" sz="1800" b="0" i="0" u="none" strike="noStrike" cap="none" spc="0" normalizeH="0" baseline="0">
             <a:ln>
               <a:noFill/>
             </a:ln>
@@ -6527,7 +6869,7 @@
           <a:buFontTx/>
           <a:buNone/>
           <a:tabLst/>
-          <a:defRPr b="0" baseline="0" cap="none" i="0" spc="0" strike="noStrike" sz="1800" u="none" kumimoji="0" normalizeH="0">
+          <a:defRPr kumimoji="0" sz="1800" b="0" i="0" u="none" strike="noStrike" cap="none" spc="0" normalizeH="0" baseline="0">
             <a:ln>
               <a:noFill/>
             </a:ln>
@@ -6553,7 +6895,7 @@
           <a:buFontTx/>
           <a:buNone/>
           <a:tabLst/>
-          <a:defRPr b="0" baseline="0" cap="none" i="0" spc="0" strike="noStrike" sz="1800" u="none" kumimoji="0" normalizeH="0">
+          <a:defRPr kumimoji="0" sz="1800" b="0" i="0" u="none" strike="noStrike" cap="none" spc="0" normalizeH="0" baseline="0">
             <a:ln>
               <a:noFill/>
             </a:ln>
@@ -6579,7 +6921,7 @@
           <a:buFontTx/>
           <a:buNone/>
           <a:tabLst/>
-          <a:defRPr b="0" baseline="0" cap="none" i="0" spc="0" strike="noStrike" sz="1800" u="none" kumimoji="0" normalizeH="0">
+          <a:defRPr kumimoji="0" sz="1800" b="0" i="0" u="none" strike="noStrike" cap="none" spc="0" normalizeH="0" baseline="0">
             <a:ln>
               <a:noFill/>
             </a:ln>
@@ -6605,7 +6947,7 @@
           <a:buFontTx/>
           <a:buNone/>
           <a:tabLst/>
-          <a:defRPr b="0" baseline="0" cap="none" i="0" spc="0" strike="noStrike" sz="1800" u="none" kumimoji="0" normalizeH="0">
+          <a:defRPr kumimoji="0" sz="1800" b="0" i="0" u="none" strike="noStrike" cap="none" spc="0" normalizeH="0" baseline="0">
             <a:ln>
               <a:noFill/>
             </a:ln>
@@ -6631,7 +6973,7 @@
           <a:buFontTx/>
           <a:buNone/>
           <a:tabLst/>
-          <a:defRPr b="0" baseline="0" cap="none" i="0" spc="0" strike="noStrike" sz="1800" u="none" kumimoji="0" normalizeH="0">
+          <a:defRPr kumimoji="0" sz="1800" b="0" i="0" u="none" strike="noStrike" cap="none" spc="0" normalizeH="0" baseline="0">
             <a:ln>
               <a:noFill/>
             </a:ln>
@@ -6657,7 +6999,7 @@
           <a:buFontTx/>
           <a:buNone/>
           <a:tabLst/>
-          <a:defRPr b="0" baseline="0" cap="none" i="0" spc="0" strike="noStrike" sz="1800" u="none" kumimoji="0" normalizeH="0">
+          <a:defRPr kumimoji="0" sz="1800" b="0" i="0" u="none" strike="noStrike" cap="none" spc="0" normalizeH="0" baseline="0">
             <a:ln>
               <a:noFill/>
             </a:ln>
@@ -6683,7 +7025,7 @@
           <a:buFontTx/>
           <a:buNone/>
           <a:tabLst/>
-          <a:defRPr b="0" baseline="0" cap="none" i="0" spc="0" strike="noStrike" sz="1800" u="none" kumimoji="0" normalizeH="0">
+          <a:defRPr kumimoji="0" sz="1800" b="0" i="0" u="none" strike="noStrike" cap="none" spc="0" normalizeH="0" baseline="0">
             <a:ln>
               <a:noFill/>
             </a:ln>
@@ -6709,7 +7051,7 @@
           <a:buFontTx/>
           <a:buNone/>
           <a:tabLst/>
-          <a:defRPr b="0" baseline="0" cap="none" i="0" spc="0" strike="noStrike" sz="1800" u="none" kumimoji="0" normalizeH="0">
+          <a:defRPr kumimoji="0" sz="1800" b="0" i="0" u="none" strike="noStrike" cap="none" spc="0" normalizeH="0" baseline="0">
             <a:ln>
               <a:noFill/>
             </a:ln>
@@ -6735,7 +7077,7 @@
           <a:buFontTx/>
           <a:buNone/>
           <a:tabLst/>
-          <a:defRPr b="0" baseline="0" cap="none" i="0" spc="0" strike="noStrike" sz="1800" u="none" kumimoji="0" normalizeH="0">
+          <a:defRPr kumimoji="0" sz="1800" b="0" i="0" u="none" strike="noStrike" cap="none" spc="0" normalizeH="0" baseline="0">
             <a:ln>
               <a:noFill/>
             </a:ln>
@@ -6748,12 +7090,19 @@
         </a:lvl9pPr>
       </a:lstStyle>
       <a:style>
-        <a:lnRef idx="0"/>
-        <a:fillRef idx="0"/>
-        <a:effectRef idx="0"/>
+        <a:lnRef idx="0">
+          <a:scrgbClr r="0" g="0" b="0"/>
+        </a:lnRef>
+        <a:fillRef idx="0">
+          <a:scrgbClr r="0" g="0" b="0"/>
+        </a:fillRef>
+        <a:effectRef idx="0">
+          <a:scrgbClr r="0" g="0" b="0"/>
+        </a:effectRef>
         <a:fontRef idx="none"/>
       </a:style>
     </a:txDef>
   </a:objectDefaults>
+  <a:extraClrSchemeLst/>
 </a:theme>
 </file>